--- a/PrezentacijaProjekata.pptx
+++ b/PrezentacijaProjekata.pptx
@@ -128,6 +128,3006 @@
     </p:ext>
   </p:extLst>
 </p:presentation>
+</file>
+
+<file path=ppt/diagrams/colors1.xml><?xml version="1.0" encoding="utf-8"?>
+<dgm:colorsDef xmlns:dgm="http://schemas.openxmlformats.org/drawingml/2006/diagram" xmlns:a="http://schemas.openxmlformats.org/drawingml/2006/main" uniqueId="urn:microsoft.com/office/officeart/2005/8/colors/accent0_2">
+  <dgm:title val=""/>
+  <dgm:desc val=""/>
+  <dgm:catLst>
+    <dgm:cat type="mainScheme" pri="10200"/>
+  </dgm:catLst>
+  <dgm:styleLbl name="node0">
+    <dgm:fillClrLst meth="repeat">
+      <a:schemeClr val="lt1"/>
+    </dgm:fillClrLst>
+    <dgm:linClrLst meth="repeat">
+      <a:schemeClr val="dk2">
+        <a:shade val="80000"/>
+      </a:schemeClr>
+    </dgm:linClrLst>
+    <dgm:effectClrLst/>
+    <dgm:txLinClrLst/>
+    <dgm:txFillClrLst meth="repeat">
+      <a:schemeClr val="dk2"/>
+    </dgm:txFillClrLst>
+    <dgm:txEffectClrLst/>
+  </dgm:styleLbl>
+  <dgm:styleLbl name="node1">
+    <dgm:fillClrLst meth="repeat">
+      <a:schemeClr val="lt1"/>
+    </dgm:fillClrLst>
+    <dgm:linClrLst meth="repeat">
+      <a:schemeClr val="dk2">
+        <a:shade val="80000"/>
+      </a:schemeClr>
+    </dgm:linClrLst>
+    <dgm:effectClrLst/>
+    <dgm:txLinClrLst/>
+    <dgm:txFillClrLst meth="repeat">
+      <a:schemeClr val="dk2"/>
+    </dgm:txFillClrLst>
+    <dgm:txEffectClrLst/>
+  </dgm:styleLbl>
+  <dgm:styleLbl name="alignNode1">
+    <dgm:fillClrLst meth="repeat">
+      <a:schemeClr val="lt1"/>
+    </dgm:fillClrLst>
+    <dgm:linClrLst meth="repeat">
+      <a:schemeClr val="dk2">
+        <a:shade val="80000"/>
+      </a:schemeClr>
+    </dgm:linClrLst>
+    <dgm:effectClrLst/>
+    <dgm:txLinClrLst/>
+    <dgm:txFillClrLst meth="repeat">
+      <a:schemeClr val="dk2"/>
+    </dgm:txFillClrLst>
+    <dgm:txEffectClrLst/>
+  </dgm:styleLbl>
+  <dgm:styleLbl name="lnNode1">
+    <dgm:fillClrLst meth="repeat">
+      <a:schemeClr val="lt1"/>
+    </dgm:fillClrLst>
+    <dgm:linClrLst meth="repeat">
+      <a:schemeClr val="dk2">
+        <a:shade val="80000"/>
+      </a:schemeClr>
+    </dgm:linClrLst>
+    <dgm:effectClrLst/>
+    <dgm:txLinClrLst/>
+    <dgm:txFillClrLst meth="repeat">
+      <a:schemeClr val="dk2"/>
+    </dgm:txFillClrLst>
+    <dgm:txEffectClrLst/>
+  </dgm:styleLbl>
+  <dgm:styleLbl name="vennNode1">
+    <dgm:fillClrLst meth="repeat">
+      <a:schemeClr val="lt1">
+        <a:alpha val="50000"/>
+      </a:schemeClr>
+    </dgm:fillClrLst>
+    <dgm:linClrLst meth="repeat">
+      <a:schemeClr val="dk2">
+        <a:shade val="80000"/>
+      </a:schemeClr>
+    </dgm:linClrLst>
+    <dgm:effectClrLst/>
+    <dgm:txLinClrLst/>
+    <dgm:txFillClrLst/>
+    <dgm:txEffectClrLst/>
+  </dgm:styleLbl>
+  <dgm:styleLbl name="node2">
+    <dgm:fillClrLst meth="repeat">
+      <a:schemeClr val="lt1"/>
+    </dgm:fillClrLst>
+    <dgm:linClrLst meth="repeat">
+      <a:schemeClr val="dk2">
+        <a:shade val="80000"/>
+      </a:schemeClr>
+    </dgm:linClrLst>
+    <dgm:effectClrLst/>
+    <dgm:txLinClrLst/>
+    <dgm:txFillClrLst meth="repeat">
+      <a:schemeClr val="dk2"/>
+    </dgm:txFillClrLst>
+    <dgm:txEffectClrLst/>
+  </dgm:styleLbl>
+  <dgm:styleLbl name="node3">
+    <dgm:fillClrLst meth="repeat">
+      <a:schemeClr val="lt1"/>
+    </dgm:fillClrLst>
+    <dgm:linClrLst meth="repeat">
+      <a:schemeClr val="dk2">
+        <a:shade val="80000"/>
+      </a:schemeClr>
+    </dgm:linClrLst>
+    <dgm:effectClrLst/>
+    <dgm:txLinClrLst/>
+    <dgm:txFillClrLst meth="repeat">
+      <a:schemeClr val="dk2"/>
+    </dgm:txFillClrLst>
+    <dgm:txEffectClrLst/>
+  </dgm:styleLbl>
+  <dgm:styleLbl name="node4">
+    <dgm:fillClrLst meth="repeat">
+      <a:schemeClr val="lt1"/>
+    </dgm:fillClrLst>
+    <dgm:linClrLst meth="repeat">
+      <a:schemeClr val="dk2">
+        <a:shade val="80000"/>
+      </a:schemeClr>
+    </dgm:linClrLst>
+    <dgm:effectClrLst/>
+    <dgm:txLinClrLst/>
+    <dgm:txFillClrLst meth="repeat">
+      <a:schemeClr val="dk2"/>
+    </dgm:txFillClrLst>
+    <dgm:txEffectClrLst/>
+  </dgm:styleLbl>
+  <dgm:styleLbl name="fgImgPlace1">
+    <dgm:fillClrLst meth="repeat">
+      <a:schemeClr val="dk2">
+        <a:tint val="40000"/>
+      </a:schemeClr>
+    </dgm:fillClrLst>
+    <dgm:linClrLst meth="repeat">
+      <a:schemeClr val="dk2">
+        <a:shade val="80000"/>
+      </a:schemeClr>
+    </dgm:linClrLst>
+    <dgm:effectClrLst/>
+    <dgm:txLinClrLst/>
+    <dgm:txFillClrLst meth="repeat">
+      <a:schemeClr val="lt1"/>
+    </dgm:txFillClrLst>
+    <dgm:txEffectClrLst/>
+  </dgm:styleLbl>
+  <dgm:styleLbl name="alignImgPlace1">
+    <dgm:fillClrLst meth="repeat">
+      <a:schemeClr val="dk2">
+        <a:tint val="40000"/>
+      </a:schemeClr>
+    </dgm:fillClrLst>
+    <dgm:linClrLst meth="repeat">
+      <a:schemeClr val="dk2">
+        <a:shade val="80000"/>
+      </a:schemeClr>
+    </dgm:linClrLst>
+    <dgm:effectClrLst/>
+    <dgm:txLinClrLst/>
+    <dgm:txFillClrLst meth="repeat">
+      <a:schemeClr val="lt1"/>
+    </dgm:txFillClrLst>
+    <dgm:txEffectClrLst/>
+  </dgm:styleLbl>
+  <dgm:styleLbl name="bgImgPlace1">
+    <dgm:fillClrLst meth="repeat">
+      <a:schemeClr val="dk2">
+        <a:tint val="40000"/>
+      </a:schemeClr>
+    </dgm:fillClrLst>
+    <dgm:linClrLst meth="repeat">
+      <a:schemeClr val="dk2">
+        <a:shade val="80000"/>
+      </a:schemeClr>
+    </dgm:linClrLst>
+    <dgm:effectClrLst/>
+    <dgm:txLinClrLst/>
+    <dgm:txFillClrLst meth="repeat">
+      <a:schemeClr val="lt1"/>
+    </dgm:txFillClrLst>
+    <dgm:txEffectClrLst/>
+  </dgm:styleLbl>
+  <dgm:styleLbl name="sibTrans2D1">
+    <dgm:fillClrLst meth="repeat">
+      <a:schemeClr val="dk2">
+        <a:tint val="60000"/>
+      </a:schemeClr>
+    </dgm:fillClrLst>
+    <dgm:linClrLst meth="repeat">
+      <a:schemeClr val="dk2">
+        <a:tint val="60000"/>
+      </a:schemeClr>
+    </dgm:linClrLst>
+    <dgm:effectClrLst/>
+    <dgm:txLinClrLst/>
+    <dgm:txFillClrLst meth="repeat">
+      <a:schemeClr val="dk2"/>
+    </dgm:txFillClrLst>
+    <dgm:txEffectClrLst/>
+  </dgm:styleLbl>
+  <dgm:styleLbl name="fgSibTrans2D1">
+    <dgm:fillClrLst meth="repeat">
+      <a:schemeClr val="dk2">
+        <a:tint val="60000"/>
+      </a:schemeClr>
+    </dgm:fillClrLst>
+    <dgm:linClrLst meth="repeat">
+      <a:schemeClr val="dk2">
+        <a:tint val="60000"/>
+      </a:schemeClr>
+    </dgm:linClrLst>
+    <dgm:effectClrLst/>
+    <dgm:txLinClrLst/>
+    <dgm:txFillClrLst meth="repeat">
+      <a:schemeClr val="dk2"/>
+    </dgm:txFillClrLst>
+    <dgm:txEffectClrLst/>
+  </dgm:styleLbl>
+  <dgm:styleLbl name="bgSibTrans2D1">
+    <dgm:fillClrLst meth="repeat">
+      <a:schemeClr val="dk2">
+        <a:tint val="60000"/>
+      </a:schemeClr>
+    </dgm:fillClrLst>
+    <dgm:linClrLst meth="repeat">
+      <a:schemeClr val="dk2">
+        <a:tint val="60000"/>
+      </a:schemeClr>
+    </dgm:linClrLst>
+    <dgm:effectClrLst/>
+    <dgm:txLinClrLst/>
+    <dgm:txFillClrLst meth="repeat">
+      <a:schemeClr val="dk2"/>
+    </dgm:txFillClrLst>
+    <dgm:txEffectClrLst/>
+  </dgm:styleLbl>
+  <dgm:styleLbl name="sibTrans1D1">
+    <dgm:fillClrLst meth="repeat">
+      <a:schemeClr val="dk2"/>
+    </dgm:fillClrLst>
+    <dgm:linClrLst meth="repeat">
+      <a:schemeClr val="dk2"/>
+    </dgm:linClrLst>
+    <dgm:effectClrLst/>
+    <dgm:txLinClrLst/>
+    <dgm:txFillClrLst meth="repeat">
+      <a:schemeClr val="tx1"/>
+    </dgm:txFillClrLst>
+    <dgm:txEffectClrLst/>
+  </dgm:styleLbl>
+  <dgm:styleLbl name="callout">
+    <dgm:fillClrLst meth="repeat">
+      <a:schemeClr val="dk2"/>
+    </dgm:fillClrLst>
+    <dgm:linClrLst meth="repeat">
+      <a:schemeClr val="dk2"/>
+    </dgm:linClrLst>
+    <dgm:effectClrLst/>
+    <dgm:txLinClrLst/>
+    <dgm:txFillClrLst meth="repeat">
+      <a:schemeClr val="tx1"/>
+    </dgm:txFillClrLst>
+    <dgm:txEffectClrLst/>
+  </dgm:styleLbl>
+  <dgm:styleLbl name="asst0">
+    <dgm:fillClrLst meth="repeat">
+      <a:schemeClr val="lt1"/>
+    </dgm:fillClrLst>
+    <dgm:linClrLst meth="repeat">
+      <a:schemeClr val="dk2">
+        <a:shade val="80000"/>
+      </a:schemeClr>
+    </dgm:linClrLst>
+    <dgm:effectClrLst/>
+    <dgm:txLinClrLst/>
+    <dgm:txFillClrLst meth="repeat">
+      <a:schemeClr val="dk2"/>
+    </dgm:txFillClrLst>
+    <dgm:txEffectClrLst/>
+  </dgm:styleLbl>
+  <dgm:styleLbl name="asst1">
+    <dgm:fillClrLst meth="repeat">
+      <a:schemeClr val="lt1"/>
+    </dgm:fillClrLst>
+    <dgm:linClrLst meth="repeat">
+      <a:schemeClr val="dk2">
+        <a:shade val="80000"/>
+      </a:schemeClr>
+    </dgm:linClrLst>
+    <dgm:effectClrLst/>
+    <dgm:txLinClrLst/>
+    <dgm:txFillClrLst meth="repeat">
+      <a:schemeClr val="dk2"/>
+    </dgm:txFillClrLst>
+    <dgm:txEffectClrLst/>
+  </dgm:styleLbl>
+  <dgm:styleLbl name="asst2">
+    <dgm:fillClrLst meth="repeat">
+      <a:schemeClr val="lt1"/>
+    </dgm:fillClrLst>
+    <dgm:linClrLst meth="repeat">
+      <a:schemeClr val="dk2">
+        <a:shade val="80000"/>
+      </a:schemeClr>
+    </dgm:linClrLst>
+    <dgm:effectClrLst/>
+    <dgm:txLinClrLst/>
+    <dgm:txFillClrLst meth="repeat">
+      <a:schemeClr val="dk2"/>
+    </dgm:txFillClrLst>
+    <dgm:txEffectClrLst/>
+  </dgm:styleLbl>
+  <dgm:styleLbl name="asst3">
+    <dgm:fillClrLst meth="repeat">
+      <a:schemeClr val="lt1"/>
+    </dgm:fillClrLst>
+    <dgm:linClrLst meth="repeat">
+      <a:schemeClr val="dk2">
+        <a:shade val="80000"/>
+      </a:schemeClr>
+    </dgm:linClrLst>
+    <dgm:effectClrLst/>
+    <dgm:txLinClrLst/>
+    <dgm:txFillClrLst meth="repeat">
+      <a:schemeClr val="dk2"/>
+    </dgm:txFillClrLst>
+    <dgm:txEffectClrLst/>
+  </dgm:styleLbl>
+  <dgm:styleLbl name="asst4">
+    <dgm:fillClrLst meth="repeat">
+      <a:schemeClr val="lt1"/>
+    </dgm:fillClrLst>
+    <dgm:linClrLst meth="repeat">
+      <a:schemeClr val="dk2">
+        <a:shade val="80000"/>
+      </a:schemeClr>
+    </dgm:linClrLst>
+    <dgm:effectClrLst/>
+    <dgm:txLinClrLst/>
+    <dgm:txFillClrLst meth="repeat">
+      <a:schemeClr val="dk2"/>
+    </dgm:txFillClrLst>
+    <dgm:txEffectClrLst/>
+  </dgm:styleLbl>
+  <dgm:styleLbl name="parChTrans2D1">
+    <dgm:fillClrLst meth="repeat">
+      <a:schemeClr val="dk2">
+        <a:tint val="60000"/>
+      </a:schemeClr>
+    </dgm:fillClrLst>
+    <dgm:linClrLst meth="repeat">
+      <a:schemeClr val="dk2">
+        <a:tint val="60000"/>
+      </a:schemeClr>
+    </dgm:linClrLst>
+    <dgm:effectClrLst/>
+    <dgm:txLinClrLst/>
+    <dgm:txFillClrLst/>
+    <dgm:txEffectClrLst/>
+  </dgm:styleLbl>
+  <dgm:styleLbl name="parChTrans2D2">
+    <dgm:fillClrLst meth="repeat">
+      <a:schemeClr val="dk2"/>
+    </dgm:fillClrLst>
+    <dgm:linClrLst meth="repeat">
+      <a:schemeClr val="dk2"/>
+    </dgm:linClrLst>
+    <dgm:effectClrLst/>
+    <dgm:txLinClrLst/>
+    <dgm:txFillClrLst/>
+    <dgm:txEffectClrLst/>
+  </dgm:styleLbl>
+  <dgm:styleLbl name="parChTrans2D3">
+    <dgm:fillClrLst meth="repeat">
+      <a:schemeClr val="dk2"/>
+    </dgm:fillClrLst>
+    <dgm:linClrLst meth="repeat">
+      <a:schemeClr val="dk2"/>
+    </dgm:linClrLst>
+    <dgm:effectClrLst/>
+    <dgm:txLinClrLst/>
+    <dgm:txFillClrLst/>
+    <dgm:txEffectClrLst/>
+  </dgm:styleLbl>
+  <dgm:styleLbl name="parChTrans2D4">
+    <dgm:fillClrLst meth="repeat">
+      <a:schemeClr val="dk2"/>
+    </dgm:fillClrLst>
+    <dgm:linClrLst meth="repeat">
+      <a:schemeClr val="dk2"/>
+    </dgm:linClrLst>
+    <dgm:effectClrLst/>
+    <dgm:txLinClrLst/>
+    <dgm:txFillClrLst meth="repeat">
+      <a:schemeClr val="lt1"/>
+    </dgm:txFillClrLst>
+    <dgm:txEffectClrLst/>
+  </dgm:styleLbl>
+  <dgm:styleLbl name="parChTrans1D1">
+    <dgm:fillClrLst meth="repeat">
+      <a:schemeClr val="dk2"/>
+    </dgm:fillClrLst>
+    <dgm:linClrLst meth="repeat">
+      <a:schemeClr val="dk2">
+        <a:shade val="60000"/>
+      </a:schemeClr>
+    </dgm:linClrLst>
+    <dgm:effectClrLst/>
+    <dgm:txLinClrLst/>
+    <dgm:txFillClrLst meth="repeat">
+      <a:schemeClr val="tx1"/>
+    </dgm:txFillClrLst>
+    <dgm:txEffectClrLst/>
+  </dgm:styleLbl>
+  <dgm:styleLbl name="parChTrans1D2">
+    <dgm:fillClrLst meth="repeat">
+      <a:schemeClr val="dk2"/>
+    </dgm:fillClrLst>
+    <dgm:linClrLst meth="repeat">
+      <a:schemeClr val="dk2">
+        <a:shade val="60000"/>
+      </a:schemeClr>
+    </dgm:linClrLst>
+    <dgm:effectClrLst/>
+    <dgm:txLinClrLst/>
+    <dgm:txFillClrLst meth="repeat">
+      <a:schemeClr val="tx1"/>
+    </dgm:txFillClrLst>
+    <dgm:txEffectClrLst/>
+  </dgm:styleLbl>
+  <dgm:styleLbl name="parChTrans1D3">
+    <dgm:fillClrLst meth="repeat">
+      <a:schemeClr val="dk2"/>
+    </dgm:fillClrLst>
+    <dgm:linClrLst meth="repeat">
+      <a:schemeClr val="dk2">
+        <a:shade val="80000"/>
+      </a:schemeClr>
+    </dgm:linClrLst>
+    <dgm:effectClrLst/>
+    <dgm:txLinClrLst/>
+    <dgm:txFillClrLst meth="repeat">
+      <a:schemeClr val="tx1"/>
+    </dgm:txFillClrLst>
+    <dgm:txEffectClrLst/>
+  </dgm:styleLbl>
+  <dgm:styleLbl name="parChTrans1D4">
+    <dgm:fillClrLst meth="repeat">
+      <a:schemeClr val="dk2"/>
+    </dgm:fillClrLst>
+    <dgm:linClrLst meth="repeat">
+      <a:schemeClr val="dk2">
+        <a:shade val="80000"/>
+      </a:schemeClr>
+    </dgm:linClrLst>
+    <dgm:effectClrLst/>
+    <dgm:txLinClrLst/>
+    <dgm:txFillClrLst meth="repeat">
+      <a:schemeClr val="tx1"/>
+    </dgm:txFillClrLst>
+    <dgm:txEffectClrLst/>
+  </dgm:styleLbl>
+  <dgm:styleLbl name="fgAcc1">
+    <dgm:fillClrLst meth="repeat">
+      <a:schemeClr val="dk2">
+        <a:alpha val="90000"/>
+        <a:tint val="40000"/>
+      </a:schemeClr>
+    </dgm:fillClrLst>
+    <dgm:linClrLst meth="repeat">
+      <a:schemeClr val="dk2"/>
+    </dgm:linClrLst>
+    <dgm:effectClrLst/>
+    <dgm:txLinClrLst/>
+    <dgm:txFillClrLst meth="repeat">
+      <a:schemeClr val="dk2"/>
+    </dgm:txFillClrLst>
+    <dgm:txEffectClrLst/>
+  </dgm:styleLbl>
+  <dgm:styleLbl name="conFgAcc1">
+    <dgm:fillClrLst meth="repeat">
+      <a:schemeClr val="dk2">
+        <a:alpha val="90000"/>
+        <a:tint val="40000"/>
+      </a:schemeClr>
+    </dgm:fillClrLst>
+    <dgm:linClrLst meth="repeat">
+      <a:schemeClr val="dk2"/>
+    </dgm:linClrLst>
+    <dgm:effectClrLst/>
+    <dgm:txLinClrLst/>
+    <dgm:txFillClrLst meth="repeat">
+      <a:schemeClr val="dk2"/>
+    </dgm:txFillClrLst>
+    <dgm:txEffectClrLst/>
+  </dgm:styleLbl>
+  <dgm:styleLbl name="alignAcc1">
+    <dgm:fillClrLst meth="repeat">
+      <a:schemeClr val="dk2">
+        <a:alpha val="90000"/>
+        <a:tint val="40000"/>
+      </a:schemeClr>
+    </dgm:fillClrLst>
+    <dgm:linClrLst meth="repeat">
+      <a:schemeClr val="dk2"/>
+    </dgm:linClrLst>
+    <dgm:effectClrLst/>
+    <dgm:txLinClrLst/>
+    <dgm:txFillClrLst meth="repeat">
+      <a:schemeClr val="dk2"/>
+    </dgm:txFillClrLst>
+    <dgm:txEffectClrLst/>
+  </dgm:styleLbl>
+  <dgm:styleLbl name="trAlignAcc1">
+    <dgm:fillClrLst meth="repeat">
+      <a:schemeClr val="dk2">
+        <a:alpha val="40000"/>
+        <a:tint val="40000"/>
+      </a:schemeClr>
+    </dgm:fillClrLst>
+    <dgm:linClrLst meth="repeat">
+      <a:schemeClr val="dk2"/>
+    </dgm:linClrLst>
+    <dgm:effectClrLst/>
+    <dgm:txLinClrLst/>
+    <dgm:txFillClrLst meth="repeat">
+      <a:schemeClr val="dk2"/>
+    </dgm:txFillClrLst>
+    <dgm:txEffectClrLst/>
+  </dgm:styleLbl>
+  <dgm:styleLbl name="bgAcc1">
+    <dgm:fillClrLst meth="repeat">
+      <a:schemeClr val="dk2">
+        <a:alpha val="90000"/>
+        <a:tint val="40000"/>
+      </a:schemeClr>
+    </dgm:fillClrLst>
+    <dgm:linClrLst meth="repeat">
+      <a:schemeClr val="dk2"/>
+    </dgm:linClrLst>
+    <dgm:effectClrLst/>
+    <dgm:txLinClrLst/>
+    <dgm:txFillClrLst meth="repeat">
+      <a:schemeClr val="dk2"/>
+    </dgm:txFillClrLst>
+    <dgm:txEffectClrLst/>
+  </dgm:styleLbl>
+  <dgm:styleLbl name="solidFgAcc1">
+    <dgm:fillClrLst meth="repeat">
+      <a:schemeClr val="lt1"/>
+    </dgm:fillClrLst>
+    <dgm:linClrLst meth="repeat">
+      <a:schemeClr val="dk2"/>
+    </dgm:linClrLst>
+    <dgm:effectClrLst/>
+    <dgm:txLinClrLst/>
+    <dgm:txFillClrLst meth="repeat">
+      <a:schemeClr val="dk2"/>
+    </dgm:txFillClrLst>
+    <dgm:txEffectClrLst/>
+  </dgm:styleLbl>
+  <dgm:styleLbl name="solidAlignAcc1">
+    <dgm:fillClrLst meth="repeat">
+      <a:schemeClr val="lt1"/>
+    </dgm:fillClrLst>
+    <dgm:linClrLst meth="repeat">
+      <a:schemeClr val="dk2"/>
+    </dgm:linClrLst>
+    <dgm:effectClrLst/>
+    <dgm:txLinClrLst/>
+    <dgm:txFillClrLst meth="repeat">
+      <a:schemeClr val="dk2"/>
+    </dgm:txFillClrLst>
+    <dgm:txEffectClrLst/>
+  </dgm:styleLbl>
+  <dgm:styleLbl name="solidBgAcc1">
+    <dgm:fillClrLst meth="repeat">
+      <a:schemeClr val="lt1"/>
+    </dgm:fillClrLst>
+    <dgm:linClrLst meth="repeat">
+      <a:schemeClr val="dk2"/>
+    </dgm:linClrLst>
+    <dgm:effectClrLst/>
+    <dgm:txLinClrLst/>
+    <dgm:txFillClrLst meth="repeat">
+      <a:schemeClr val="dk2"/>
+    </dgm:txFillClrLst>
+    <dgm:txEffectClrLst/>
+  </dgm:styleLbl>
+  <dgm:styleLbl name="fgAccFollowNode1">
+    <dgm:fillClrLst meth="repeat">
+      <a:schemeClr val="lt1">
+        <a:alpha val="90000"/>
+        <a:tint val="40000"/>
+      </a:schemeClr>
+    </dgm:fillClrLst>
+    <dgm:linClrLst meth="repeat">
+      <a:schemeClr val="dk2">
+        <a:alpha val="90000"/>
+      </a:schemeClr>
+    </dgm:linClrLst>
+    <dgm:effectClrLst/>
+    <dgm:txLinClrLst/>
+    <dgm:txFillClrLst meth="repeat">
+      <a:schemeClr val="dk2"/>
+    </dgm:txFillClrLst>
+    <dgm:txEffectClrLst/>
+  </dgm:styleLbl>
+  <dgm:styleLbl name="alignAccFollowNode1">
+    <dgm:fillClrLst meth="repeat">
+      <a:schemeClr val="lt1">
+        <a:alpha val="90000"/>
+        <a:tint val="40000"/>
+      </a:schemeClr>
+    </dgm:fillClrLst>
+    <dgm:linClrLst meth="repeat">
+      <a:schemeClr val="dk2">
+        <a:alpha val="90000"/>
+      </a:schemeClr>
+    </dgm:linClrLst>
+    <dgm:effectClrLst/>
+    <dgm:txLinClrLst/>
+    <dgm:txFillClrLst meth="repeat">
+      <a:schemeClr val="dk2"/>
+    </dgm:txFillClrLst>
+    <dgm:txEffectClrLst/>
+  </dgm:styleLbl>
+  <dgm:styleLbl name="bgAccFollowNode1">
+    <dgm:fillClrLst meth="repeat">
+      <a:schemeClr val="lt1">
+        <a:alpha val="90000"/>
+        <a:tint val="40000"/>
+      </a:schemeClr>
+    </dgm:fillClrLst>
+    <dgm:linClrLst meth="repeat">
+      <a:schemeClr val="dk2">
+        <a:alpha val="90000"/>
+      </a:schemeClr>
+    </dgm:linClrLst>
+    <dgm:effectClrLst/>
+    <dgm:txLinClrLst/>
+    <dgm:txFillClrLst meth="repeat">
+      <a:schemeClr val="dk2"/>
+    </dgm:txFillClrLst>
+    <dgm:txEffectClrLst/>
+  </dgm:styleLbl>
+  <dgm:styleLbl name="fgAcc0">
+    <dgm:fillClrLst meth="repeat">
+      <a:schemeClr val="dk2">
+        <a:alpha val="90000"/>
+        <a:tint val="40000"/>
+      </a:schemeClr>
+    </dgm:fillClrLst>
+    <dgm:linClrLst meth="repeat">
+      <a:schemeClr val="dk2"/>
+    </dgm:linClrLst>
+    <dgm:effectClrLst/>
+    <dgm:txLinClrLst/>
+    <dgm:txFillClrLst meth="repeat">
+      <a:schemeClr val="dk2"/>
+    </dgm:txFillClrLst>
+    <dgm:txEffectClrLst/>
+  </dgm:styleLbl>
+  <dgm:styleLbl name="fgAcc2">
+    <dgm:fillClrLst meth="repeat">
+      <a:schemeClr val="dk2">
+        <a:alpha val="90000"/>
+        <a:tint val="40000"/>
+      </a:schemeClr>
+    </dgm:fillClrLst>
+    <dgm:linClrLst meth="repeat">
+      <a:schemeClr val="dk2"/>
+    </dgm:linClrLst>
+    <dgm:effectClrLst/>
+    <dgm:txLinClrLst/>
+    <dgm:txFillClrLst meth="repeat">
+      <a:schemeClr val="dk2"/>
+    </dgm:txFillClrLst>
+    <dgm:txEffectClrLst/>
+  </dgm:styleLbl>
+  <dgm:styleLbl name="fgAcc3">
+    <dgm:fillClrLst meth="repeat">
+      <a:schemeClr val="dk2">
+        <a:alpha val="90000"/>
+        <a:tint val="40000"/>
+      </a:schemeClr>
+    </dgm:fillClrLst>
+    <dgm:linClrLst meth="repeat">
+      <a:schemeClr val="dk2"/>
+    </dgm:linClrLst>
+    <dgm:effectClrLst/>
+    <dgm:txLinClrLst/>
+    <dgm:txFillClrLst meth="repeat">
+      <a:schemeClr val="dk2"/>
+    </dgm:txFillClrLst>
+    <dgm:txEffectClrLst/>
+  </dgm:styleLbl>
+  <dgm:styleLbl name="fgAcc4">
+    <dgm:fillClrLst meth="repeat">
+      <a:schemeClr val="dk2">
+        <a:alpha val="90000"/>
+        <a:tint val="40000"/>
+      </a:schemeClr>
+    </dgm:fillClrLst>
+    <dgm:linClrLst meth="repeat">
+      <a:schemeClr val="dk2"/>
+    </dgm:linClrLst>
+    <dgm:effectClrLst/>
+    <dgm:txLinClrLst/>
+    <dgm:txFillClrLst meth="repeat">
+      <a:schemeClr val="dk2"/>
+    </dgm:txFillClrLst>
+    <dgm:txEffectClrLst/>
+  </dgm:styleLbl>
+  <dgm:styleLbl name="bgShp">
+    <dgm:fillClrLst meth="repeat">
+      <a:schemeClr val="dk2">
+        <a:tint val="40000"/>
+      </a:schemeClr>
+    </dgm:fillClrLst>
+    <dgm:linClrLst meth="repeat">
+      <a:schemeClr val="dk2"/>
+    </dgm:linClrLst>
+    <dgm:effectClrLst/>
+    <dgm:txLinClrLst/>
+    <dgm:txFillClrLst meth="repeat">
+      <a:schemeClr val="dk1"/>
+    </dgm:txFillClrLst>
+    <dgm:txEffectClrLst/>
+  </dgm:styleLbl>
+  <dgm:styleLbl name="dkBgShp">
+    <dgm:fillClrLst meth="repeat">
+      <a:schemeClr val="dk2">
+        <a:shade val="80000"/>
+      </a:schemeClr>
+    </dgm:fillClrLst>
+    <dgm:linClrLst meth="repeat">
+      <a:schemeClr val="dk2"/>
+    </dgm:linClrLst>
+    <dgm:effectClrLst/>
+    <dgm:txLinClrLst/>
+    <dgm:txFillClrLst meth="repeat">
+      <a:schemeClr val="lt2"/>
+    </dgm:txFillClrLst>
+    <dgm:txEffectClrLst/>
+  </dgm:styleLbl>
+  <dgm:styleLbl name="trBgShp">
+    <dgm:fillClrLst meth="repeat">
+      <a:schemeClr val="dk2">
+        <a:tint val="50000"/>
+        <a:alpha val="40000"/>
+      </a:schemeClr>
+    </dgm:fillClrLst>
+    <dgm:linClrLst meth="repeat">
+      <a:schemeClr val="dk2"/>
+    </dgm:linClrLst>
+    <dgm:effectClrLst/>
+    <dgm:txLinClrLst/>
+    <dgm:txFillClrLst meth="repeat">
+      <a:schemeClr val="lt2"/>
+    </dgm:txFillClrLst>
+    <dgm:txEffectClrLst/>
+  </dgm:styleLbl>
+  <dgm:styleLbl name="fgShp">
+    <dgm:fillClrLst meth="repeat">
+      <a:schemeClr val="dk2">
+        <a:tint val="60000"/>
+      </a:schemeClr>
+    </dgm:fillClrLst>
+    <dgm:linClrLst meth="repeat">
+      <a:schemeClr val="lt1"/>
+    </dgm:linClrLst>
+    <dgm:effectClrLst/>
+    <dgm:txLinClrLst/>
+    <dgm:txFillClrLst meth="repeat">
+      <a:schemeClr val="dk2"/>
+    </dgm:txFillClrLst>
+    <dgm:txEffectClrLst/>
+  </dgm:styleLbl>
+  <dgm:styleLbl name="revTx">
+    <dgm:fillClrLst meth="repeat">
+      <a:schemeClr val="lt1">
+        <a:alpha val="0"/>
+      </a:schemeClr>
+    </dgm:fillClrLst>
+    <dgm:linClrLst meth="repeat">
+      <a:schemeClr val="dk2">
+        <a:alpha val="0"/>
+      </a:schemeClr>
+    </dgm:linClrLst>
+    <dgm:effectClrLst/>
+    <dgm:txLinClrLst/>
+    <dgm:txFillClrLst meth="repeat">
+      <a:schemeClr val="tx1"/>
+    </dgm:txFillClrLst>
+    <dgm:txEffectClrLst/>
+  </dgm:styleLbl>
+</dgm:colorsDef>
+</file>
+
+<file path=ppt/diagrams/data1.xml><?xml version="1.0" encoding="utf-8"?>
+<dgm:dataModel xmlns:dgm="http://schemas.openxmlformats.org/drawingml/2006/diagram" xmlns:a="http://schemas.openxmlformats.org/drawingml/2006/main">
+  <dgm:ptLst>
+    <dgm:pt modelId="{ECD80C1E-AFCB-49F0-A366-A44F57DC03D9}" type="doc">
+      <dgm:prSet loTypeId="urn:microsoft.com/office/officeart/2005/8/layout/cycle1" loCatId="cycle" qsTypeId="urn:microsoft.com/office/officeart/2005/8/quickstyle/simple2" qsCatId="simple" csTypeId="urn:microsoft.com/office/officeart/2005/8/colors/accent0_2" csCatId="mainScheme" phldr="1"/>
+      <dgm:spPr/>
+      <dgm:t>
+        <a:bodyPr/>
+        <a:lstStyle/>
+        <a:p>
+          <a:endParaRPr lang="hr-HR"/>
+        </a:p>
+      </dgm:t>
+    </dgm:pt>
+    <dgm:pt modelId="{57597056-23C1-4F80-80CE-B37940DC7AB6}">
+      <dgm:prSet phldrT="[Tekst]"/>
+      <dgm:spPr/>
+      <dgm:t>
+        <a:bodyPr/>
+        <a:lstStyle/>
+        <a:p>
+          <a:r>
+            <a:rPr lang="hr-HR" b="1" dirty="0"/>
+            <a:t>Sastanak</a:t>
+          </a:r>
+        </a:p>
+      </dgm:t>
+    </dgm:pt>
+    <dgm:pt modelId="{D410B342-2BDD-4207-8ED6-5CE01F12E6B7}" type="parTrans" cxnId="{816D255A-ECCC-4285-8233-095EC049763C}">
+      <dgm:prSet/>
+      <dgm:spPr/>
+      <dgm:t>
+        <a:bodyPr/>
+        <a:lstStyle/>
+        <a:p>
+          <a:endParaRPr lang="hr-HR"/>
+        </a:p>
+      </dgm:t>
+    </dgm:pt>
+    <dgm:pt modelId="{7813F6C3-232C-4A64-9142-0217A2102F0F}" type="sibTrans" cxnId="{816D255A-ECCC-4285-8233-095EC049763C}">
+      <dgm:prSet/>
+      <dgm:spPr/>
+      <dgm:t>
+        <a:bodyPr/>
+        <a:lstStyle/>
+        <a:p>
+          <a:endParaRPr lang="hr-HR"/>
+        </a:p>
+      </dgm:t>
+    </dgm:pt>
+    <dgm:pt modelId="{D073B8F8-7528-453E-842F-15FF9B8D7558}">
+      <dgm:prSet phldrT="[Tekst]"/>
+      <dgm:spPr/>
+      <dgm:t>
+        <a:bodyPr/>
+        <a:lstStyle/>
+        <a:p>
+          <a:r>
+            <a:rPr lang="hr-HR" b="1" dirty="0"/>
+            <a:t>Podjela zadataka</a:t>
+          </a:r>
+        </a:p>
+      </dgm:t>
+    </dgm:pt>
+    <dgm:pt modelId="{C6433DB8-C4FD-4D1B-B7BC-92E4BBEFAB04}" type="parTrans" cxnId="{29103246-1CCE-4AC6-9EDB-D087C3CEB1D6}">
+      <dgm:prSet/>
+      <dgm:spPr/>
+      <dgm:t>
+        <a:bodyPr/>
+        <a:lstStyle/>
+        <a:p>
+          <a:endParaRPr lang="hr-HR"/>
+        </a:p>
+      </dgm:t>
+    </dgm:pt>
+    <dgm:pt modelId="{3CFF14AF-4319-4DE1-86D5-D89D611E1F62}" type="sibTrans" cxnId="{29103246-1CCE-4AC6-9EDB-D087C3CEB1D6}">
+      <dgm:prSet/>
+      <dgm:spPr/>
+      <dgm:t>
+        <a:bodyPr/>
+        <a:lstStyle/>
+        <a:p>
+          <a:endParaRPr lang="hr-HR"/>
+        </a:p>
+      </dgm:t>
+    </dgm:pt>
+    <dgm:pt modelId="{A780313D-A535-4834-B859-5C21A6026793}">
+      <dgm:prSet phldrT="[Tekst]"/>
+      <dgm:spPr/>
+      <dgm:t>
+        <a:bodyPr/>
+        <a:lstStyle/>
+        <a:p>
+          <a:r>
+            <a:rPr lang="hr-HR" b="1" dirty="0"/>
+            <a:t>Izvršavanje zadataka</a:t>
+          </a:r>
+        </a:p>
+      </dgm:t>
+    </dgm:pt>
+    <dgm:pt modelId="{57AB3A3F-10B6-46ED-B7AF-A4F6D99FCC0D}" type="parTrans" cxnId="{19EDFD1E-D507-4C48-A00E-992DE4FC5970}">
+      <dgm:prSet/>
+      <dgm:spPr/>
+      <dgm:t>
+        <a:bodyPr/>
+        <a:lstStyle/>
+        <a:p>
+          <a:endParaRPr lang="hr-HR"/>
+        </a:p>
+      </dgm:t>
+    </dgm:pt>
+    <dgm:pt modelId="{53804A45-63FB-48E4-B500-F85EB9E3526B}" type="sibTrans" cxnId="{19EDFD1E-D507-4C48-A00E-992DE4FC5970}">
+      <dgm:prSet/>
+      <dgm:spPr/>
+      <dgm:t>
+        <a:bodyPr/>
+        <a:lstStyle/>
+        <a:p>
+          <a:endParaRPr lang="hr-HR"/>
+        </a:p>
+      </dgm:t>
+    </dgm:pt>
+    <dgm:pt modelId="{2936F776-C094-4CB4-BAB3-E10BD7E74B4B}">
+      <dgm:prSet phldrT="[Tekst]"/>
+      <dgm:spPr/>
+      <dgm:t>
+        <a:bodyPr/>
+        <a:lstStyle/>
+        <a:p>
+          <a:r>
+            <a:rPr lang="hr-HR" b="1" dirty="0"/>
+            <a:t>Spajanje </a:t>
+          </a:r>
+          <a:r>
+            <a:rPr lang="hr-HR" b="1" dirty="0" err="1"/>
+            <a:t>frontenda</a:t>
+          </a:r>
+          <a:r>
+            <a:rPr lang="hr-HR" b="1" dirty="0"/>
+            <a:t> i </a:t>
+          </a:r>
+          <a:r>
+            <a:rPr lang="hr-HR" b="1" dirty="0" err="1"/>
+            <a:t>backenda</a:t>
+          </a:r>
+          <a:endParaRPr lang="hr-HR" b="1" dirty="0"/>
+        </a:p>
+      </dgm:t>
+    </dgm:pt>
+    <dgm:pt modelId="{288FC6A6-AC64-4A96-8158-EF4416F9633C}" type="parTrans" cxnId="{6ADBCBFD-F31E-4306-ADEA-D955F770F40B}">
+      <dgm:prSet/>
+      <dgm:spPr/>
+      <dgm:t>
+        <a:bodyPr/>
+        <a:lstStyle/>
+        <a:p>
+          <a:endParaRPr lang="hr-HR"/>
+        </a:p>
+      </dgm:t>
+    </dgm:pt>
+    <dgm:pt modelId="{55E3A6EC-3174-459A-B76B-D5EBB5C70EAE}" type="sibTrans" cxnId="{6ADBCBFD-F31E-4306-ADEA-D955F770F40B}">
+      <dgm:prSet/>
+      <dgm:spPr/>
+      <dgm:t>
+        <a:bodyPr/>
+        <a:lstStyle/>
+        <a:p>
+          <a:endParaRPr lang="hr-HR"/>
+        </a:p>
+      </dgm:t>
+    </dgm:pt>
+    <dgm:pt modelId="{295FBC29-93E6-457A-9572-55AA9992B42E}">
+      <dgm:prSet phldrT="[Tekst]"/>
+      <dgm:spPr/>
+      <dgm:t>
+        <a:bodyPr/>
+        <a:lstStyle/>
+        <a:p>
+          <a:r>
+            <a:rPr lang="hr-HR" b="1" dirty="0"/>
+            <a:t>Spajanje zadataka u cjelinu (</a:t>
+          </a:r>
+          <a:r>
+            <a:rPr lang="hr-HR" b="1" dirty="0" err="1"/>
+            <a:t>merge</a:t>
+          </a:r>
+          <a:r>
+            <a:rPr lang="hr-HR" b="1" dirty="0"/>
+            <a:t>)</a:t>
+          </a:r>
+        </a:p>
+      </dgm:t>
+    </dgm:pt>
+    <dgm:pt modelId="{2D7AC8BE-0274-411A-B332-28047A0C09D4}" type="parTrans" cxnId="{C66CAAF8-585F-42AA-8953-DEB974CBA4C3}">
+      <dgm:prSet/>
+      <dgm:spPr/>
+      <dgm:t>
+        <a:bodyPr/>
+        <a:lstStyle/>
+        <a:p>
+          <a:endParaRPr lang="hr-HR"/>
+        </a:p>
+      </dgm:t>
+    </dgm:pt>
+    <dgm:pt modelId="{98847ECD-D8AB-4E07-A6DD-B34F0CDF1A4E}" type="sibTrans" cxnId="{C66CAAF8-585F-42AA-8953-DEB974CBA4C3}">
+      <dgm:prSet/>
+      <dgm:spPr/>
+      <dgm:t>
+        <a:bodyPr/>
+        <a:lstStyle/>
+        <a:p>
+          <a:endParaRPr lang="hr-HR"/>
+        </a:p>
+      </dgm:t>
+    </dgm:pt>
+    <dgm:pt modelId="{F63A7D29-26A8-409D-B5B8-F46EA7F082F8}" type="pres">
+      <dgm:prSet presAssocID="{ECD80C1E-AFCB-49F0-A366-A44F57DC03D9}" presName="cycle" presStyleCnt="0">
+        <dgm:presLayoutVars>
+          <dgm:dir/>
+          <dgm:resizeHandles val="exact"/>
+        </dgm:presLayoutVars>
+      </dgm:prSet>
+      <dgm:spPr/>
+    </dgm:pt>
+    <dgm:pt modelId="{CA55FFDE-3CF0-4BBB-AE75-24F9F15A5AF2}" type="pres">
+      <dgm:prSet presAssocID="{57597056-23C1-4F80-80CE-B37940DC7AB6}" presName="dummy" presStyleCnt="0"/>
+      <dgm:spPr/>
+    </dgm:pt>
+    <dgm:pt modelId="{772518E4-B63B-4541-AD91-AEAD4E70CB50}" type="pres">
+      <dgm:prSet presAssocID="{57597056-23C1-4F80-80CE-B37940DC7AB6}" presName="node" presStyleLbl="revTx" presStyleIdx="0" presStyleCnt="5">
+        <dgm:presLayoutVars>
+          <dgm:bulletEnabled val="1"/>
+        </dgm:presLayoutVars>
+      </dgm:prSet>
+      <dgm:spPr/>
+    </dgm:pt>
+    <dgm:pt modelId="{039DD714-3CB4-416F-964B-4B81F78AC091}" type="pres">
+      <dgm:prSet presAssocID="{7813F6C3-232C-4A64-9142-0217A2102F0F}" presName="sibTrans" presStyleLbl="node1" presStyleIdx="0" presStyleCnt="5"/>
+      <dgm:spPr/>
+    </dgm:pt>
+    <dgm:pt modelId="{487E5DE0-3A1A-42B2-8E26-503A59004FE3}" type="pres">
+      <dgm:prSet presAssocID="{D073B8F8-7528-453E-842F-15FF9B8D7558}" presName="dummy" presStyleCnt="0"/>
+      <dgm:spPr/>
+    </dgm:pt>
+    <dgm:pt modelId="{CD90A8EA-69CF-4FD4-BEE0-A3B1C3E26E1B}" type="pres">
+      <dgm:prSet presAssocID="{D073B8F8-7528-453E-842F-15FF9B8D7558}" presName="node" presStyleLbl="revTx" presStyleIdx="1" presStyleCnt="5">
+        <dgm:presLayoutVars>
+          <dgm:bulletEnabled val="1"/>
+        </dgm:presLayoutVars>
+      </dgm:prSet>
+      <dgm:spPr/>
+    </dgm:pt>
+    <dgm:pt modelId="{21F4D304-6566-4795-8C6B-985A5D18B37C}" type="pres">
+      <dgm:prSet presAssocID="{3CFF14AF-4319-4DE1-86D5-D89D611E1F62}" presName="sibTrans" presStyleLbl="node1" presStyleIdx="1" presStyleCnt="5"/>
+      <dgm:spPr/>
+    </dgm:pt>
+    <dgm:pt modelId="{5E4785D4-32C4-4FBB-B26E-0ED01FC1511B}" type="pres">
+      <dgm:prSet presAssocID="{A780313D-A535-4834-B859-5C21A6026793}" presName="dummy" presStyleCnt="0"/>
+      <dgm:spPr/>
+    </dgm:pt>
+    <dgm:pt modelId="{D5A3DAA1-E073-4872-9652-2A8E6F1ED08C}" type="pres">
+      <dgm:prSet presAssocID="{A780313D-A535-4834-B859-5C21A6026793}" presName="node" presStyleLbl="revTx" presStyleIdx="2" presStyleCnt="5" custRadScaleRad="84600" custRadScaleInc="0">
+        <dgm:presLayoutVars>
+          <dgm:bulletEnabled val="1"/>
+        </dgm:presLayoutVars>
+      </dgm:prSet>
+      <dgm:spPr/>
+    </dgm:pt>
+    <dgm:pt modelId="{04A08336-8D60-49BB-B933-68D315883AE5}" type="pres">
+      <dgm:prSet presAssocID="{53804A45-63FB-48E4-B500-F85EB9E3526B}" presName="sibTrans" presStyleLbl="node1" presStyleIdx="2" presStyleCnt="5"/>
+      <dgm:spPr/>
+    </dgm:pt>
+    <dgm:pt modelId="{C698BAB4-700F-45C3-AE31-105384CF86FE}" type="pres">
+      <dgm:prSet presAssocID="{2936F776-C094-4CB4-BAB3-E10BD7E74B4B}" presName="dummy" presStyleCnt="0"/>
+      <dgm:spPr/>
+    </dgm:pt>
+    <dgm:pt modelId="{2054CE5D-69A5-449E-A406-D267E9CDD369}" type="pres">
+      <dgm:prSet presAssocID="{2936F776-C094-4CB4-BAB3-E10BD7E74B4B}" presName="node" presStyleLbl="revTx" presStyleIdx="3" presStyleCnt="5">
+        <dgm:presLayoutVars>
+          <dgm:bulletEnabled val="1"/>
+        </dgm:presLayoutVars>
+      </dgm:prSet>
+      <dgm:spPr/>
+    </dgm:pt>
+    <dgm:pt modelId="{3170E574-42A9-4E4E-8F5E-A042AB7421AF}" type="pres">
+      <dgm:prSet presAssocID="{55E3A6EC-3174-459A-B76B-D5EBB5C70EAE}" presName="sibTrans" presStyleLbl="node1" presStyleIdx="3" presStyleCnt="5"/>
+      <dgm:spPr/>
+    </dgm:pt>
+    <dgm:pt modelId="{7DA23E6C-F9D6-4420-8884-D34C502A8AA6}" type="pres">
+      <dgm:prSet presAssocID="{295FBC29-93E6-457A-9572-55AA9992B42E}" presName="dummy" presStyleCnt="0"/>
+      <dgm:spPr/>
+    </dgm:pt>
+    <dgm:pt modelId="{16D92E7F-83D7-4CFF-A58E-FD585C49A6DE}" type="pres">
+      <dgm:prSet presAssocID="{295FBC29-93E6-457A-9572-55AA9992B42E}" presName="node" presStyleLbl="revTx" presStyleIdx="4" presStyleCnt="5">
+        <dgm:presLayoutVars>
+          <dgm:bulletEnabled val="1"/>
+        </dgm:presLayoutVars>
+      </dgm:prSet>
+      <dgm:spPr/>
+    </dgm:pt>
+    <dgm:pt modelId="{049BD9F5-662E-41D7-808F-1C56B89896A9}" type="pres">
+      <dgm:prSet presAssocID="{98847ECD-D8AB-4E07-A6DD-B34F0CDF1A4E}" presName="sibTrans" presStyleLbl="node1" presStyleIdx="4" presStyleCnt="5"/>
+      <dgm:spPr/>
+    </dgm:pt>
+  </dgm:ptLst>
+  <dgm:cxnLst>
+    <dgm:cxn modelId="{01AD4506-5529-4F80-A599-5177DF08747D}" type="presOf" srcId="{7813F6C3-232C-4A64-9142-0217A2102F0F}" destId="{039DD714-3CB4-416F-964B-4B81F78AC091}" srcOrd="0" destOrd="0" presId="urn:microsoft.com/office/officeart/2005/8/layout/cycle1"/>
+    <dgm:cxn modelId="{19EDFD1E-D507-4C48-A00E-992DE4FC5970}" srcId="{ECD80C1E-AFCB-49F0-A366-A44F57DC03D9}" destId="{A780313D-A535-4834-B859-5C21A6026793}" srcOrd="2" destOrd="0" parTransId="{57AB3A3F-10B6-46ED-B7AF-A4F6D99FCC0D}" sibTransId="{53804A45-63FB-48E4-B500-F85EB9E3526B}"/>
+    <dgm:cxn modelId="{05A08B23-2A2F-4E41-9067-3C94C51A4C15}" type="presOf" srcId="{57597056-23C1-4F80-80CE-B37940DC7AB6}" destId="{772518E4-B63B-4541-AD91-AEAD4E70CB50}" srcOrd="0" destOrd="0" presId="urn:microsoft.com/office/officeart/2005/8/layout/cycle1"/>
+    <dgm:cxn modelId="{B6D9CF61-3457-44D2-933E-FD23E4425279}" type="presOf" srcId="{3CFF14AF-4319-4DE1-86D5-D89D611E1F62}" destId="{21F4D304-6566-4795-8C6B-985A5D18B37C}" srcOrd="0" destOrd="0" presId="urn:microsoft.com/office/officeart/2005/8/layout/cycle1"/>
+    <dgm:cxn modelId="{4FDE8243-AF94-469B-92DE-037A6DDB3C6C}" type="presOf" srcId="{ECD80C1E-AFCB-49F0-A366-A44F57DC03D9}" destId="{F63A7D29-26A8-409D-B5B8-F46EA7F082F8}" srcOrd="0" destOrd="0" presId="urn:microsoft.com/office/officeart/2005/8/layout/cycle1"/>
+    <dgm:cxn modelId="{29103246-1CCE-4AC6-9EDB-D087C3CEB1D6}" srcId="{ECD80C1E-AFCB-49F0-A366-A44F57DC03D9}" destId="{D073B8F8-7528-453E-842F-15FF9B8D7558}" srcOrd="1" destOrd="0" parTransId="{C6433DB8-C4FD-4D1B-B7BC-92E4BBEFAB04}" sibTransId="{3CFF14AF-4319-4DE1-86D5-D89D611E1F62}"/>
+    <dgm:cxn modelId="{1F3EC846-8D5C-4713-959A-019BFFC03C5D}" type="presOf" srcId="{D073B8F8-7528-453E-842F-15FF9B8D7558}" destId="{CD90A8EA-69CF-4FD4-BEE0-A3B1C3E26E1B}" srcOrd="0" destOrd="0" presId="urn:microsoft.com/office/officeart/2005/8/layout/cycle1"/>
+    <dgm:cxn modelId="{107AF358-031B-47C2-9DA9-E62DE714F8D3}" type="presOf" srcId="{295FBC29-93E6-457A-9572-55AA9992B42E}" destId="{16D92E7F-83D7-4CFF-A58E-FD585C49A6DE}" srcOrd="0" destOrd="0" presId="urn:microsoft.com/office/officeart/2005/8/layout/cycle1"/>
+    <dgm:cxn modelId="{816D255A-ECCC-4285-8233-095EC049763C}" srcId="{ECD80C1E-AFCB-49F0-A366-A44F57DC03D9}" destId="{57597056-23C1-4F80-80CE-B37940DC7AB6}" srcOrd="0" destOrd="0" parTransId="{D410B342-2BDD-4207-8ED6-5CE01F12E6B7}" sibTransId="{7813F6C3-232C-4A64-9142-0217A2102F0F}"/>
+    <dgm:cxn modelId="{CFC2108B-A98D-458D-BE09-A637C1077EC0}" type="presOf" srcId="{55E3A6EC-3174-459A-B76B-D5EBB5C70EAE}" destId="{3170E574-42A9-4E4E-8F5E-A042AB7421AF}" srcOrd="0" destOrd="0" presId="urn:microsoft.com/office/officeart/2005/8/layout/cycle1"/>
+    <dgm:cxn modelId="{AD74E393-73EB-492F-8FAA-F8AF97312F3C}" type="presOf" srcId="{98847ECD-D8AB-4E07-A6DD-B34F0CDF1A4E}" destId="{049BD9F5-662E-41D7-808F-1C56B89896A9}" srcOrd="0" destOrd="0" presId="urn:microsoft.com/office/officeart/2005/8/layout/cycle1"/>
+    <dgm:cxn modelId="{B7CF12B1-3B6F-42AF-A3D8-ECE312C1190C}" type="presOf" srcId="{A780313D-A535-4834-B859-5C21A6026793}" destId="{D5A3DAA1-E073-4872-9652-2A8E6F1ED08C}" srcOrd="0" destOrd="0" presId="urn:microsoft.com/office/officeart/2005/8/layout/cycle1"/>
+    <dgm:cxn modelId="{A521D6C5-FFD8-46E2-B9B7-E37DF34AA78C}" type="presOf" srcId="{53804A45-63FB-48E4-B500-F85EB9E3526B}" destId="{04A08336-8D60-49BB-B933-68D315883AE5}" srcOrd="0" destOrd="0" presId="urn:microsoft.com/office/officeart/2005/8/layout/cycle1"/>
+    <dgm:cxn modelId="{07F1F2D9-FF64-4669-80E4-82ECC55E52D9}" type="presOf" srcId="{2936F776-C094-4CB4-BAB3-E10BD7E74B4B}" destId="{2054CE5D-69A5-449E-A406-D267E9CDD369}" srcOrd="0" destOrd="0" presId="urn:microsoft.com/office/officeart/2005/8/layout/cycle1"/>
+    <dgm:cxn modelId="{C66CAAF8-585F-42AA-8953-DEB974CBA4C3}" srcId="{ECD80C1E-AFCB-49F0-A366-A44F57DC03D9}" destId="{295FBC29-93E6-457A-9572-55AA9992B42E}" srcOrd="4" destOrd="0" parTransId="{2D7AC8BE-0274-411A-B332-28047A0C09D4}" sibTransId="{98847ECD-D8AB-4E07-A6DD-B34F0CDF1A4E}"/>
+    <dgm:cxn modelId="{6ADBCBFD-F31E-4306-ADEA-D955F770F40B}" srcId="{ECD80C1E-AFCB-49F0-A366-A44F57DC03D9}" destId="{2936F776-C094-4CB4-BAB3-E10BD7E74B4B}" srcOrd="3" destOrd="0" parTransId="{288FC6A6-AC64-4A96-8158-EF4416F9633C}" sibTransId="{55E3A6EC-3174-459A-B76B-D5EBB5C70EAE}"/>
+    <dgm:cxn modelId="{B9AB8260-AF6E-4178-806E-3FC463EB9ABA}" type="presParOf" srcId="{F63A7D29-26A8-409D-B5B8-F46EA7F082F8}" destId="{CA55FFDE-3CF0-4BBB-AE75-24F9F15A5AF2}" srcOrd="0" destOrd="0" presId="urn:microsoft.com/office/officeart/2005/8/layout/cycle1"/>
+    <dgm:cxn modelId="{39978F0D-79EF-467E-9D46-1D266EBECB15}" type="presParOf" srcId="{F63A7D29-26A8-409D-B5B8-F46EA7F082F8}" destId="{772518E4-B63B-4541-AD91-AEAD4E70CB50}" srcOrd="1" destOrd="0" presId="urn:microsoft.com/office/officeart/2005/8/layout/cycle1"/>
+    <dgm:cxn modelId="{89B58730-897F-4460-B5B7-87503EC5F554}" type="presParOf" srcId="{F63A7D29-26A8-409D-B5B8-F46EA7F082F8}" destId="{039DD714-3CB4-416F-964B-4B81F78AC091}" srcOrd="2" destOrd="0" presId="urn:microsoft.com/office/officeart/2005/8/layout/cycle1"/>
+    <dgm:cxn modelId="{F9AF4477-1028-4744-B53D-3C9956FC852B}" type="presParOf" srcId="{F63A7D29-26A8-409D-B5B8-F46EA7F082F8}" destId="{487E5DE0-3A1A-42B2-8E26-503A59004FE3}" srcOrd="3" destOrd="0" presId="urn:microsoft.com/office/officeart/2005/8/layout/cycle1"/>
+    <dgm:cxn modelId="{5F8312CE-A3AE-4B40-BBAB-02C580D18C30}" type="presParOf" srcId="{F63A7D29-26A8-409D-B5B8-F46EA7F082F8}" destId="{CD90A8EA-69CF-4FD4-BEE0-A3B1C3E26E1B}" srcOrd="4" destOrd="0" presId="urn:microsoft.com/office/officeart/2005/8/layout/cycle1"/>
+    <dgm:cxn modelId="{78EAEE2D-1FCA-44B5-8C95-BF8E8BAC8D17}" type="presParOf" srcId="{F63A7D29-26A8-409D-B5B8-F46EA7F082F8}" destId="{21F4D304-6566-4795-8C6B-985A5D18B37C}" srcOrd="5" destOrd="0" presId="urn:microsoft.com/office/officeart/2005/8/layout/cycle1"/>
+    <dgm:cxn modelId="{1DDA2682-9E85-4448-9AFA-099F04AC5FC9}" type="presParOf" srcId="{F63A7D29-26A8-409D-B5B8-F46EA7F082F8}" destId="{5E4785D4-32C4-4FBB-B26E-0ED01FC1511B}" srcOrd="6" destOrd="0" presId="urn:microsoft.com/office/officeart/2005/8/layout/cycle1"/>
+    <dgm:cxn modelId="{B10ECF78-BBDB-47E1-B0A6-B110D7C12579}" type="presParOf" srcId="{F63A7D29-26A8-409D-B5B8-F46EA7F082F8}" destId="{D5A3DAA1-E073-4872-9652-2A8E6F1ED08C}" srcOrd="7" destOrd="0" presId="urn:microsoft.com/office/officeart/2005/8/layout/cycle1"/>
+    <dgm:cxn modelId="{0A79DBB9-F68D-4A41-BA16-3E4ADC6EF271}" type="presParOf" srcId="{F63A7D29-26A8-409D-B5B8-F46EA7F082F8}" destId="{04A08336-8D60-49BB-B933-68D315883AE5}" srcOrd="8" destOrd="0" presId="urn:microsoft.com/office/officeart/2005/8/layout/cycle1"/>
+    <dgm:cxn modelId="{3B381D47-3435-496D-92DD-A59CEA28E2DA}" type="presParOf" srcId="{F63A7D29-26A8-409D-B5B8-F46EA7F082F8}" destId="{C698BAB4-700F-45C3-AE31-105384CF86FE}" srcOrd="9" destOrd="0" presId="urn:microsoft.com/office/officeart/2005/8/layout/cycle1"/>
+    <dgm:cxn modelId="{AF152FA6-CB1D-4BDF-BF43-76B067F9B7D3}" type="presParOf" srcId="{F63A7D29-26A8-409D-B5B8-F46EA7F082F8}" destId="{2054CE5D-69A5-449E-A406-D267E9CDD369}" srcOrd="10" destOrd="0" presId="urn:microsoft.com/office/officeart/2005/8/layout/cycle1"/>
+    <dgm:cxn modelId="{1F403B02-BD9A-4776-80D4-AC39D58403BD}" type="presParOf" srcId="{F63A7D29-26A8-409D-B5B8-F46EA7F082F8}" destId="{3170E574-42A9-4E4E-8F5E-A042AB7421AF}" srcOrd="11" destOrd="0" presId="urn:microsoft.com/office/officeart/2005/8/layout/cycle1"/>
+    <dgm:cxn modelId="{B5CD9F69-1B2E-4EDF-AFF0-D7970B897EA1}" type="presParOf" srcId="{F63A7D29-26A8-409D-B5B8-F46EA7F082F8}" destId="{7DA23E6C-F9D6-4420-8884-D34C502A8AA6}" srcOrd="12" destOrd="0" presId="urn:microsoft.com/office/officeart/2005/8/layout/cycle1"/>
+    <dgm:cxn modelId="{3A382EBF-1F88-404D-9043-BFF223F34626}" type="presParOf" srcId="{F63A7D29-26A8-409D-B5B8-F46EA7F082F8}" destId="{16D92E7F-83D7-4CFF-A58E-FD585C49A6DE}" srcOrd="13" destOrd="0" presId="urn:microsoft.com/office/officeart/2005/8/layout/cycle1"/>
+    <dgm:cxn modelId="{632E380C-FD5D-4BD6-889F-04335DC676DB}" type="presParOf" srcId="{F63A7D29-26A8-409D-B5B8-F46EA7F082F8}" destId="{049BD9F5-662E-41D7-808F-1C56B89896A9}" srcOrd="14" destOrd="0" presId="urn:microsoft.com/office/officeart/2005/8/layout/cycle1"/>
+  </dgm:cxnLst>
+  <dgm:bg/>
+  <dgm:whole/>
+  <dgm:extLst>
+    <a:ext uri="http://schemas.microsoft.com/office/drawing/2008/diagram">
+      <dsp:dataModelExt xmlns:dsp="http://schemas.microsoft.com/office/drawing/2008/diagram" relId="rId6" minVer="http://schemas.openxmlformats.org/drawingml/2006/diagram"/>
+    </a:ext>
+  </dgm:extLst>
+</dgm:dataModel>
+</file>
+
+<file path=ppt/diagrams/drawing1.xml><?xml version="1.0" encoding="utf-8"?>
+<dsp:drawing xmlns:dgm="http://schemas.openxmlformats.org/drawingml/2006/diagram" xmlns:dsp="http://schemas.microsoft.com/office/drawing/2008/diagram" xmlns:a="http://schemas.openxmlformats.org/drawingml/2006/main">
+  <dsp:spTree>
+    <dsp:nvGrpSpPr>
+      <dsp:cNvPr id="0" name=""/>
+      <dsp:cNvGrpSpPr/>
+    </dsp:nvGrpSpPr>
+    <dsp:grpSpPr/>
+    <dsp:sp modelId="{772518E4-B63B-4541-AD91-AEAD4E70CB50}">
+      <dsp:nvSpPr>
+        <dsp:cNvPr id="0" name=""/>
+        <dsp:cNvSpPr/>
+      </dsp:nvSpPr>
+      <dsp:spPr>
+        <a:xfrm>
+          <a:off x="3528499" y="29355"/>
+          <a:ext cx="1006078" cy="1006078"/>
+        </a:xfrm>
+        <a:prstGeom prst="rect">
+          <a:avLst/>
+        </a:prstGeom>
+        <a:noFill/>
+        <a:ln>
+          <a:noFill/>
+        </a:ln>
+        <a:effectLst/>
+      </dsp:spPr>
+      <dsp:style>
+        <a:lnRef idx="0">
+          <a:scrgbClr r="0" g="0" b="0"/>
+        </a:lnRef>
+        <a:fillRef idx="0">
+          <a:scrgbClr r="0" g="0" b="0"/>
+        </a:fillRef>
+        <a:effectRef idx="0">
+          <a:scrgbClr r="0" g="0" b="0"/>
+        </a:effectRef>
+        <a:fontRef idx="minor"/>
+      </dsp:style>
+      <dsp:txBody>
+        <a:bodyPr spcFirstLastPara="0" vert="horz" wrap="square" lIns="17780" tIns="17780" rIns="17780" bIns="17780" numCol="1" spcCol="1270" anchor="ctr" anchorCtr="0">
+          <a:noAutofit/>
+        </a:bodyPr>
+        <a:lstStyle/>
+        <a:p>
+          <a:pPr marL="0" lvl="0" indent="0" algn="ctr" defTabSz="622300">
+            <a:lnSpc>
+              <a:spcPct val="90000"/>
+            </a:lnSpc>
+            <a:spcBef>
+              <a:spcPct val="0"/>
+            </a:spcBef>
+            <a:spcAft>
+              <a:spcPct val="35000"/>
+            </a:spcAft>
+            <a:buNone/>
+          </a:pPr>
+          <a:r>
+            <a:rPr lang="hr-HR" sz="1400" b="1" kern="1200" dirty="0"/>
+            <a:t>Sastanak</a:t>
+          </a:r>
+        </a:p>
+      </dsp:txBody>
+      <dsp:txXfrm>
+        <a:off x="3528499" y="29355"/>
+        <a:ext cx="1006078" cy="1006078"/>
+      </dsp:txXfrm>
+    </dsp:sp>
+    <dsp:sp modelId="{039DD714-3CB4-416F-964B-4B81F78AC091}">
+      <dsp:nvSpPr>
+        <dsp:cNvPr id="0" name=""/>
+        <dsp:cNvSpPr/>
+      </dsp:nvSpPr>
+      <dsp:spPr>
+        <a:xfrm>
+          <a:off x="1162170" y="289"/>
+          <a:ext cx="3771658" cy="3771658"/>
+        </a:xfrm>
+        <a:prstGeom prst="circularArrow">
+          <a:avLst>
+            <a:gd name="adj1" fmla="val 5202"/>
+            <a:gd name="adj2" fmla="val 336015"/>
+            <a:gd name="adj3" fmla="val 21292825"/>
+            <a:gd name="adj4" fmla="val 19766604"/>
+            <a:gd name="adj5" fmla="val 6068"/>
+          </a:avLst>
+        </a:prstGeom>
+        <a:solidFill>
+          <a:schemeClr val="lt1">
+            <a:hueOff val="0"/>
+            <a:satOff val="0"/>
+            <a:lumOff val="0"/>
+            <a:alphaOff val="0"/>
+          </a:schemeClr>
+        </a:solidFill>
+        <a:ln w="25400" cap="rnd" cmpd="sng" algn="ctr">
+          <a:solidFill>
+            <a:schemeClr val="dk2">
+              <a:shade val="80000"/>
+              <a:hueOff val="0"/>
+              <a:satOff val="0"/>
+              <a:lumOff val="0"/>
+              <a:alphaOff val="0"/>
+            </a:schemeClr>
+          </a:solidFill>
+          <a:prstDash val="solid"/>
+        </a:ln>
+        <a:effectLst/>
+      </dsp:spPr>
+      <dsp:style>
+        <a:lnRef idx="3">
+          <a:scrgbClr r="0" g="0" b="0"/>
+        </a:lnRef>
+        <a:fillRef idx="1">
+          <a:scrgbClr r="0" g="0" b="0"/>
+        </a:fillRef>
+        <a:effectRef idx="1">
+          <a:scrgbClr r="0" g="0" b="0"/>
+        </a:effectRef>
+        <a:fontRef idx="minor">
+          <a:schemeClr val="lt1"/>
+        </a:fontRef>
+      </dsp:style>
+    </dsp:sp>
+    <dsp:sp modelId="{CD90A8EA-69CF-4FD4-BEE0-A3B1C3E26E1B}">
+      <dsp:nvSpPr>
+        <dsp:cNvPr id="0" name=""/>
+        <dsp:cNvSpPr/>
+      </dsp:nvSpPr>
+      <dsp:spPr>
+        <a:xfrm>
+          <a:off x="4136359" y="1900156"/>
+          <a:ext cx="1006078" cy="1006078"/>
+        </a:xfrm>
+        <a:prstGeom prst="rect">
+          <a:avLst/>
+        </a:prstGeom>
+        <a:noFill/>
+        <a:ln>
+          <a:noFill/>
+        </a:ln>
+        <a:effectLst/>
+      </dsp:spPr>
+      <dsp:style>
+        <a:lnRef idx="0">
+          <a:scrgbClr r="0" g="0" b="0"/>
+        </a:lnRef>
+        <a:fillRef idx="0">
+          <a:scrgbClr r="0" g="0" b="0"/>
+        </a:fillRef>
+        <a:effectRef idx="0">
+          <a:scrgbClr r="0" g="0" b="0"/>
+        </a:effectRef>
+        <a:fontRef idx="minor"/>
+      </dsp:style>
+      <dsp:txBody>
+        <a:bodyPr spcFirstLastPara="0" vert="horz" wrap="square" lIns="17780" tIns="17780" rIns="17780" bIns="17780" numCol="1" spcCol="1270" anchor="ctr" anchorCtr="0">
+          <a:noAutofit/>
+        </a:bodyPr>
+        <a:lstStyle/>
+        <a:p>
+          <a:pPr marL="0" lvl="0" indent="0" algn="ctr" defTabSz="622300">
+            <a:lnSpc>
+              <a:spcPct val="90000"/>
+            </a:lnSpc>
+            <a:spcBef>
+              <a:spcPct val="0"/>
+            </a:spcBef>
+            <a:spcAft>
+              <a:spcPct val="35000"/>
+            </a:spcAft>
+            <a:buNone/>
+          </a:pPr>
+          <a:r>
+            <a:rPr lang="hr-HR" sz="1400" b="1" kern="1200" dirty="0"/>
+            <a:t>Podjela zadataka</a:t>
+          </a:r>
+        </a:p>
+      </dsp:txBody>
+      <dsp:txXfrm>
+        <a:off x="4136359" y="1900156"/>
+        <a:ext cx="1006078" cy="1006078"/>
+      </dsp:txXfrm>
+    </dsp:sp>
+    <dsp:sp modelId="{21F4D304-6566-4795-8C6B-985A5D18B37C}">
+      <dsp:nvSpPr>
+        <dsp:cNvPr id="0" name=""/>
+        <dsp:cNvSpPr/>
+      </dsp:nvSpPr>
+      <dsp:spPr>
+        <a:xfrm>
+          <a:off x="1519029" y="-343393"/>
+          <a:ext cx="3771658" cy="3771658"/>
+        </a:xfrm>
+        <a:prstGeom prst="circularArrow">
+          <a:avLst>
+            <a:gd name="adj1" fmla="val 5202"/>
+            <a:gd name="adj2" fmla="val 336015"/>
+            <a:gd name="adj3" fmla="val 4763277"/>
+            <a:gd name="adj4" fmla="val 3275466"/>
+            <a:gd name="adj5" fmla="val 6068"/>
+          </a:avLst>
+        </a:prstGeom>
+        <a:solidFill>
+          <a:schemeClr val="lt1">
+            <a:hueOff val="0"/>
+            <a:satOff val="0"/>
+            <a:lumOff val="0"/>
+            <a:alphaOff val="0"/>
+          </a:schemeClr>
+        </a:solidFill>
+        <a:ln w="25400" cap="rnd" cmpd="sng" algn="ctr">
+          <a:solidFill>
+            <a:schemeClr val="dk2">
+              <a:shade val="80000"/>
+              <a:hueOff val="0"/>
+              <a:satOff val="0"/>
+              <a:lumOff val="0"/>
+              <a:alphaOff val="0"/>
+            </a:schemeClr>
+          </a:solidFill>
+          <a:prstDash val="solid"/>
+        </a:ln>
+        <a:effectLst/>
+      </dsp:spPr>
+      <dsp:style>
+        <a:lnRef idx="3">
+          <a:scrgbClr r="0" g="0" b="0"/>
+        </a:lnRef>
+        <a:fillRef idx="1">
+          <a:scrgbClr r="0" g="0" b="0"/>
+        </a:fillRef>
+        <a:effectRef idx="1">
+          <a:scrgbClr r="0" g="0" b="0"/>
+        </a:effectRef>
+        <a:fontRef idx="minor">
+          <a:schemeClr val="lt1"/>
+        </a:fontRef>
+      </dsp:style>
+    </dsp:sp>
+    <dsp:sp modelId="{D5A3DAA1-E073-4872-9652-2A8E6F1ED08C}">
+      <dsp:nvSpPr>
+        <dsp:cNvPr id="0" name=""/>
+        <dsp:cNvSpPr/>
+      </dsp:nvSpPr>
+      <dsp:spPr>
+        <a:xfrm>
+          <a:off x="2544960" y="2798687"/>
+          <a:ext cx="1006078" cy="1006078"/>
+        </a:xfrm>
+        <a:prstGeom prst="rect">
+          <a:avLst/>
+        </a:prstGeom>
+        <a:noFill/>
+        <a:ln>
+          <a:noFill/>
+        </a:ln>
+        <a:effectLst/>
+      </dsp:spPr>
+      <dsp:style>
+        <a:lnRef idx="0">
+          <a:scrgbClr r="0" g="0" b="0"/>
+        </a:lnRef>
+        <a:fillRef idx="0">
+          <a:scrgbClr r="0" g="0" b="0"/>
+        </a:fillRef>
+        <a:effectRef idx="0">
+          <a:scrgbClr r="0" g="0" b="0"/>
+        </a:effectRef>
+        <a:fontRef idx="minor"/>
+      </dsp:style>
+      <dsp:txBody>
+        <a:bodyPr spcFirstLastPara="0" vert="horz" wrap="square" lIns="17780" tIns="17780" rIns="17780" bIns="17780" numCol="1" spcCol="1270" anchor="ctr" anchorCtr="0">
+          <a:noAutofit/>
+        </a:bodyPr>
+        <a:lstStyle/>
+        <a:p>
+          <a:pPr marL="0" lvl="0" indent="0" algn="ctr" defTabSz="622300">
+            <a:lnSpc>
+              <a:spcPct val="90000"/>
+            </a:lnSpc>
+            <a:spcBef>
+              <a:spcPct val="0"/>
+            </a:spcBef>
+            <a:spcAft>
+              <a:spcPct val="35000"/>
+            </a:spcAft>
+            <a:buNone/>
+          </a:pPr>
+          <a:r>
+            <a:rPr lang="hr-HR" sz="1400" b="1" kern="1200" dirty="0"/>
+            <a:t>Izvršavanje zadataka</a:t>
+          </a:r>
+        </a:p>
+      </dsp:txBody>
+      <dsp:txXfrm>
+        <a:off x="2544960" y="2798687"/>
+        <a:ext cx="1006078" cy="1006078"/>
+      </dsp:txXfrm>
+    </dsp:sp>
+    <dsp:sp modelId="{04A08336-8D60-49BB-B933-68D315883AE5}">
+      <dsp:nvSpPr>
+        <dsp:cNvPr id="0" name=""/>
+        <dsp:cNvSpPr/>
+      </dsp:nvSpPr>
+      <dsp:spPr>
+        <a:xfrm>
+          <a:off x="805312" y="-343393"/>
+          <a:ext cx="3771658" cy="3771658"/>
+        </a:xfrm>
+        <a:prstGeom prst="circularArrow">
+          <a:avLst>
+            <a:gd name="adj1" fmla="val 5202"/>
+            <a:gd name="adj2" fmla="val 336015"/>
+            <a:gd name="adj3" fmla="val 7188519"/>
+            <a:gd name="adj4" fmla="val 5700708"/>
+            <a:gd name="adj5" fmla="val 6068"/>
+          </a:avLst>
+        </a:prstGeom>
+        <a:solidFill>
+          <a:schemeClr val="lt1">
+            <a:hueOff val="0"/>
+            <a:satOff val="0"/>
+            <a:lumOff val="0"/>
+            <a:alphaOff val="0"/>
+          </a:schemeClr>
+        </a:solidFill>
+        <a:ln w="25400" cap="rnd" cmpd="sng" algn="ctr">
+          <a:solidFill>
+            <a:schemeClr val="dk2">
+              <a:shade val="80000"/>
+              <a:hueOff val="0"/>
+              <a:satOff val="0"/>
+              <a:lumOff val="0"/>
+              <a:alphaOff val="0"/>
+            </a:schemeClr>
+          </a:solidFill>
+          <a:prstDash val="solid"/>
+        </a:ln>
+        <a:effectLst/>
+      </dsp:spPr>
+      <dsp:style>
+        <a:lnRef idx="3">
+          <a:scrgbClr r="0" g="0" b="0"/>
+        </a:lnRef>
+        <a:fillRef idx="1">
+          <a:scrgbClr r="0" g="0" b="0"/>
+        </a:fillRef>
+        <a:effectRef idx="1">
+          <a:scrgbClr r="0" g="0" b="0"/>
+        </a:effectRef>
+        <a:fontRef idx="minor">
+          <a:schemeClr val="lt1"/>
+        </a:fontRef>
+      </dsp:style>
+    </dsp:sp>
+    <dsp:sp modelId="{2054CE5D-69A5-449E-A406-D267E9CDD369}">
+      <dsp:nvSpPr>
+        <dsp:cNvPr id="0" name=""/>
+        <dsp:cNvSpPr/>
+      </dsp:nvSpPr>
+      <dsp:spPr>
+        <a:xfrm>
+          <a:off x="953562" y="1900156"/>
+          <a:ext cx="1006078" cy="1006078"/>
+        </a:xfrm>
+        <a:prstGeom prst="rect">
+          <a:avLst/>
+        </a:prstGeom>
+        <a:noFill/>
+        <a:ln>
+          <a:noFill/>
+        </a:ln>
+        <a:effectLst/>
+      </dsp:spPr>
+      <dsp:style>
+        <a:lnRef idx="0">
+          <a:scrgbClr r="0" g="0" b="0"/>
+        </a:lnRef>
+        <a:fillRef idx="0">
+          <a:scrgbClr r="0" g="0" b="0"/>
+        </a:fillRef>
+        <a:effectRef idx="0">
+          <a:scrgbClr r="0" g="0" b="0"/>
+        </a:effectRef>
+        <a:fontRef idx="minor"/>
+      </dsp:style>
+      <dsp:txBody>
+        <a:bodyPr spcFirstLastPara="0" vert="horz" wrap="square" lIns="17780" tIns="17780" rIns="17780" bIns="17780" numCol="1" spcCol="1270" anchor="ctr" anchorCtr="0">
+          <a:noAutofit/>
+        </a:bodyPr>
+        <a:lstStyle/>
+        <a:p>
+          <a:pPr marL="0" lvl="0" indent="0" algn="ctr" defTabSz="622300">
+            <a:lnSpc>
+              <a:spcPct val="90000"/>
+            </a:lnSpc>
+            <a:spcBef>
+              <a:spcPct val="0"/>
+            </a:spcBef>
+            <a:spcAft>
+              <a:spcPct val="35000"/>
+            </a:spcAft>
+            <a:buNone/>
+          </a:pPr>
+          <a:r>
+            <a:rPr lang="hr-HR" sz="1400" b="1" kern="1200" dirty="0"/>
+            <a:t>Spajanje </a:t>
+          </a:r>
+          <a:r>
+            <a:rPr lang="hr-HR" sz="1400" b="1" kern="1200" dirty="0" err="1"/>
+            <a:t>frontenda</a:t>
+          </a:r>
+          <a:r>
+            <a:rPr lang="hr-HR" sz="1400" b="1" kern="1200" dirty="0"/>
+            <a:t> i </a:t>
+          </a:r>
+          <a:r>
+            <a:rPr lang="hr-HR" sz="1400" b="1" kern="1200" dirty="0" err="1"/>
+            <a:t>backenda</a:t>
+          </a:r>
+          <a:endParaRPr lang="hr-HR" sz="1400" b="1" kern="1200" dirty="0"/>
+        </a:p>
+      </dsp:txBody>
+      <dsp:txXfrm>
+        <a:off x="953562" y="1900156"/>
+        <a:ext cx="1006078" cy="1006078"/>
+      </dsp:txXfrm>
+    </dsp:sp>
+    <dsp:sp modelId="{3170E574-42A9-4E4E-8F5E-A042AB7421AF}">
+      <dsp:nvSpPr>
+        <dsp:cNvPr id="0" name=""/>
+        <dsp:cNvSpPr/>
+      </dsp:nvSpPr>
+      <dsp:spPr>
+        <a:xfrm>
+          <a:off x="1162170" y="289"/>
+          <a:ext cx="3771658" cy="3771658"/>
+        </a:xfrm>
+        <a:prstGeom prst="circularArrow">
+          <a:avLst>
+            <a:gd name="adj1" fmla="val 5202"/>
+            <a:gd name="adj2" fmla="val 336015"/>
+            <a:gd name="adj3" fmla="val 12297380"/>
+            <a:gd name="adj4" fmla="val 10771160"/>
+            <a:gd name="adj5" fmla="val 6068"/>
+          </a:avLst>
+        </a:prstGeom>
+        <a:solidFill>
+          <a:schemeClr val="lt1">
+            <a:hueOff val="0"/>
+            <a:satOff val="0"/>
+            <a:lumOff val="0"/>
+            <a:alphaOff val="0"/>
+          </a:schemeClr>
+        </a:solidFill>
+        <a:ln w="25400" cap="rnd" cmpd="sng" algn="ctr">
+          <a:solidFill>
+            <a:schemeClr val="dk2">
+              <a:shade val="80000"/>
+              <a:hueOff val="0"/>
+              <a:satOff val="0"/>
+              <a:lumOff val="0"/>
+              <a:alphaOff val="0"/>
+            </a:schemeClr>
+          </a:solidFill>
+          <a:prstDash val="solid"/>
+        </a:ln>
+        <a:effectLst/>
+      </dsp:spPr>
+      <dsp:style>
+        <a:lnRef idx="3">
+          <a:scrgbClr r="0" g="0" b="0"/>
+        </a:lnRef>
+        <a:fillRef idx="1">
+          <a:scrgbClr r="0" g="0" b="0"/>
+        </a:fillRef>
+        <a:effectRef idx="1">
+          <a:scrgbClr r="0" g="0" b="0"/>
+        </a:effectRef>
+        <a:fontRef idx="minor">
+          <a:schemeClr val="lt1"/>
+        </a:fontRef>
+      </dsp:style>
+    </dsp:sp>
+    <dsp:sp modelId="{16D92E7F-83D7-4CFF-A58E-FD585C49A6DE}">
+      <dsp:nvSpPr>
+        <dsp:cNvPr id="0" name=""/>
+        <dsp:cNvSpPr/>
+      </dsp:nvSpPr>
+      <dsp:spPr>
+        <a:xfrm>
+          <a:off x="1561422" y="29355"/>
+          <a:ext cx="1006078" cy="1006078"/>
+        </a:xfrm>
+        <a:prstGeom prst="rect">
+          <a:avLst/>
+        </a:prstGeom>
+        <a:noFill/>
+        <a:ln>
+          <a:noFill/>
+        </a:ln>
+        <a:effectLst/>
+      </dsp:spPr>
+      <dsp:style>
+        <a:lnRef idx="0">
+          <a:scrgbClr r="0" g="0" b="0"/>
+        </a:lnRef>
+        <a:fillRef idx="0">
+          <a:scrgbClr r="0" g="0" b="0"/>
+        </a:fillRef>
+        <a:effectRef idx="0">
+          <a:scrgbClr r="0" g="0" b="0"/>
+        </a:effectRef>
+        <a:fontRef idx="minor"/>
+      </dsp:style>
+      <dsp:txBody>
+        <a:bodyPr spcFirstLastPara="0" vert="horz" wrap="square" lIns="17780" tIns="17780" rIns="17780" bIns="17780" numCol="1" spcCol="1270" anchor="ctr" anchorCtr="0">
+          <a:noAutofit/>
+        </a:bodyPr>
+        <a:lstStyle/>
+        <a:p>
+          <a:pPr marL="0" lvl="0" indent="0" algn="ctr" defTabSz="622300">
+            <a:lnSpc>
+              <a:spcPct val="90000"/>
+            </a:lnSpc>
+            <a:spcBef>
+              <a:spcPct val="0"/>
+            </a:spcBef>
+            <a:spcAft>
+              <a:spcPct val="35000"/>
+            </a:spcAft>
+            <a:buNone/>
+          </a:pPr>
+          <a:r>
+            <a:rPr lang="hr-HR" sz="1400" b="1" kern="1200" dirty="0"/>
+            <a:t>Spajanje zadataka u cjelinu (</a:t>
+          </a:r>
+          <a:r>
+            <a:rPr lang="hr-HR" sz="1400" b="1" kern="1200" dirty="0" err="1"/>
+            <a:t>merge</a:t>
+          </a:r>
+          <a:r>
+            <a:rPr lang="hr-HR" sz="1400" b="1" kern="1200" dirty="0"/>
+            <a:t>)</a:t>
+          </a:r>
+        </a:p>
+      </dsp:txBody>
+      <dsp:txXfrm>
+        <a:off x="1561422" y="29355"/>
+        <a:ext cx="1006078" cy="1006078"/>
+      </dsp:txXfrm>
+    </dsp:sp>
+    <dsp:sp modelId="{049BD9F5-662E-41D7-808F-1C56B89896A9}">
+      <dsp:nvSpPr>
+        <dsp:cNvPr id="0" name=""/>
+        <dsp:cNvSpPr/>
+      </dsp:nvSpPr>
+      <dsp:spPr>
+        <a:xfrm>
+          <a:off x="1162170" y="289"/>
+          <a:ext cx="3771658" cy="3771658"/>
+        </a:xfrm>
+        <a:prstGeom prst="circularArrow">
+          <a:avLst>
+            <a:gd name="adj1" fmla="val 5202"/>
+            <a:gd name="adj2" fmla="val 336015"/>
+            <a:gd name="adj3" fmla="val 16865256"/>
+            <a:gd name="adj4" fmla="val 15198729"/>
+            <a:gd name="adj5" fmla="val 6068"/>
+          </a:avLst>
+        </a:prstGeom>
+        <a:solidFill>
+          <a:schemeClr val="lt1">
+            <a:hueOff val="0"/>
+            <a:satOff val="0"/>
+            <a:lumOff val="0"/>
+            <a:alphaOff val="0"/>
+          </a:schemeClr>
+        </a:solidFill>
+        <a:ln w="25400" cap="rnd" cmpd="sng" algn="ctr">
+          <a:solidFill>
+            <a:schemeClr val="dk2">
+              <a:shade val="80000"/>
+              <a:hueOff val="0"/>
+              <a:satOff val="0"/>
+              <a:lumOff val="0"/>
+              <a:alphaOff val="0"/>
+            </a:schemeClr>
+          </a:solidFill>
+          <a:prstDash val="solid"/>
+        </a:ln>
+        <a:effectLst/>
+      </dsp:spPr>
+      <dsp:style>
+        <a:lnRef idx="3">
+          <a:scrgbClr r="0" g="0" b="0"/>
+        </a:lnRef>
+        <a:fillRef idx="1">
+          <a:scrgbClr r="0" g="0" b="0"/>
+        </a:fillRef>
+        <a:effectRef idx="1">
+          <a:scrgbClr r="0" g="0" b="0"/>
+        </a:effectRef>
+        <a:fontRef idx="minor">
+          <a:schemeClr val="lt1"/>
+        </a:fontRef>
+      </dsp:style>
+    </dsp:sp>
+  </dsp:spTree>
+</dsp:drawing>
+</file>
+
+<file path=ppt/diagrams/layout1.xml><?xml version="1.0" encoding="utf-8"?>
+<dgm:layoutDef xmlns:dgm="http://schemas.openxmlformats.org/drawingml/2006/diagram" xmlns:a="http://schemas.openxmlformats.org/drawingml/2006/main" uniqueId="urn:microsoft.com/office/officeart/2005/8/layout/cycle1">
+  <dgm:title val=""/>
+  <dgm:desc val=""/>
+  <dgm:catLst>
+    <dgm:cat type="cycle" pri="2000"/>
+  </dgm:catLst>
+  <dgm:sampData>
+    <dgm:dataModel>
+      <dgm:ptLst>
+        <dgm:pt modelId="0" type="doc"/>
+        <dgm:pt modelId="1">
+          <dgm:prSet phldr="1"/>
+        </dgm:pt>
+        <dgm:pt modelId="2">
+          <dgm:prSet phldr="1"/>
+        </dgm:pt>
+        <dgm:pt modelId="3">
+          <dgm:prSet phldr="1"/>
+        </dgm:pt>
+        <dgm:pt modelId="4">
+          <dgm:prSet phldr="1"/>
+        </dgm:pt>
+        <dgm:pt modelId="5">
+          <dgm:prSet phldr="1"/>
+        </dgm:pt>
+      </dgm:ptLst>
+      <dgm:cxnLst>
+        <dgm:cxn modelId="6" srcId="0" destId="1" srcOrd="0" destOrd="0"/>
+        <dgm:cxn modelId="7" srcId="0" destId="2" srcOrd="1" destOrd="0"/>
+        <dgm:cxn modelId="8" srcId="0" destId="3" srcOrd="2" destOrd="0"/>
+        <dgm:cxn modelId="9" srcId="0" destId="4" srcOrd="3" destOrd="0"/>
+        <dgm:cxn modelId="10" srcId="0" destId="5" srcOrd="4" destOrd="0"/>
+      </dgm:cxnLst>
+      <dgm:bg/>
+      <dgm:whole/>
+    </dgm:dataModel>
+  </dgm:sampData>
+  <dgm:styleData>
+    <dgm:dataModel>
+      <dgm:ptLst>
+        <dgm:pt modelId="0" type="doc"/>
+        <dgm:pt modelId="1"/>
+        <dgm:pt modelId="2"/>
+        <dgm:pt modelId="3"/>
+      </dgm:ptLst>
+      <dgm:cxnLst>
+        <dgm:cxn modelId="4" srcId="0" destId="1" srcOrd="0" destOrd="0"/>
+        <dgm:cxn modelId="5" srcId="0" destId="2" srcOrd="1" destOrd="0"/>
+        <dgm:cxn modelId="6" srcId="0" destId="3" srcOrd="2" destOrd="0"/>
+      </dgm:cxnLst>
+      <dgm:bg/>
+      <dgm:whole/>
+    </dgm:dataModel>
+  </dgm:styleData>
+  <dgm:clrData>
+    <dgm:dataModel>
+      <dgm:ptLst>
+        <dgm:pt modelId="0" type="doc"/>
+        <dgm:pt modelId="1"/>
+        <dgm:pt modelId="2"/>
+        <dgm:pt modelId="3"/>
+        <dgm:pt modelId="4"/>
+        <dgm:pt modelId="5"/>
+        <dgm:pt modelId="6"/>
+      </dgm:ptLst>
+      <dgm:cxnLst>
+        <dgm:cxn modelId="7" srcId="0" destId="1" srcOrd="0" destOrd="0"/>
+        <dgm:cxn modelId="8" srcId="0" destId="2" srcOrd="1" destOrd="0"/>
+        <dgm:cxn modelId="9" srcId="0" destId="3" srcOrd="2" destOrd="0"/>
+        <dgm:cxn modelId="10" srcId="0" destId="4" srcOrd="3" destOrd="0"/>
+        <dgm:cxn modelId="11" srcId="0" destId="5" srcOrd="4" destOrd="0"/>
+        <dgm:cxn modelId="12" srcId="0" destId="6" srcOrd="5" destOrd="0"/>
+      </dgm:cxnLst>
+      <dgm:bg/>
+      <dgm:whole/>
+    </dgm:dataModel>
+  </dgm:clrData>
+  <dgm:layoutNode name="cycle">
+    <dgm:varLst>
+      <dgm:dir/>
+      <dgm:resizeHandles val="exact"/>
+    </dgm:varLst>
+    <dgm:choose name="Name0">
+      <dgm:if name="Name1" func="var" arg="dir" op="equ" val="norm">
+        <dgm:alg type="cycle">
+          <dgm:param type="stAng" val="0"/>
+          <dgm:param type="spanAng" val="360"/>
+        </dgm:alg>
+      </dgm:if>
+      <dgm:else name="Name2">
+        <dgm:alg type="cycle">
+          <dgm:param type="stAng" val="0"/>
+          <dgm:param type="spanAng" val="-360"/>
+        </dgm:alg>
+      </dgm:else>
+    </dgm:choose>
+    <dgm:shape xmlns:r="http://schemas.openxmlformats.org/officeDocument/2006/relationships" r:blip="">
+      <dgm:adjLst/>
+    </dgm:shape>
+    <dgm:presOf/>
+    <dgm:choose name="Name3">
+      <dgm:if name="Name4" func="var" arg="dir" op="equ" val="norm">
+        <dgm:constrLst>
+          <dgm:constr type="diam" val="1"/>
+          <dgm:constr type="w" for="ch" forName="node" refType="w"/>
+          <dgm:constr type="w" for="ch" ptType="sibTrans" refType="w" refFor="ch" refForName="node" fact="0.5"/>
+          <dgm:constr type="h" for="ch" ptType="sibTrans" op="equ"/>
+          <dgm:constr type="diam" for="ch" ptType="sibTrans" refType="diam" op="equ"/>
+          <dgm:constr type="sibSp" refType="w" refFor="ch" refForName="node" fact="0.15"/>
+          <dgm:constr type="w" for="ch" forName="dummy" refType="sibSp" fact="2.8"/>
+          <dgm:constr type="primFontSz" for="ch" forName="node" op="equ" val="65"/>
+        </dgm:constrLst>
+      </dgm:if>
+      <dgm:else name="Name5">
+        <dgm:constrLst>
+          <dgm:constr type="diam" val="1"/>
+          <dgm:constr type="w" for="ch" forName="node" refType="w"/>
+          <dgm:constr type="w" for="ch" ptType="sibTrans" refType="w" refFor="ch" refForName="node" fact="0.5"/>
+          <dgm:constr type="h" for="ch" ptType="sibTrans" op="equ"/>
+          <dgm:constr type="diam" for="ch" ptType="sibTrans" refType="diam" op="equ" fact="-1"/>
+          <dgm:constr type="sibSp" refType="w" refFor="ch" refForName="node" fact="0.15"/>
+          <dgm:constr type="w" for="ch" forName="dummy" refType="sibSp" fact="2.8"/>
+          <dgm:constr type="primFontSz" for="ch" forName="node" op="equ" val="65"/>
+        </dgm:constrLst>
+      </dgm:else>
+    </dgm:choose>
+    <dgm:ruleLst>
+      <dgm:rule type="diam" val="INF" fact="NaN" max="NaN"/>
+    </dgm:ruleLst>
+    <dgm:forEach name="nodesForEach" axis="ch" ptType="node">
+      <dgm:choose name="Name6">
+        <dgm:if name="Name7" axis="par ch" ptType="doc node" func="cnt" op="gt" val="1">
+          <dgm:layoutNode name="dummy">
+            <dgm:alg type="sp"/>
+            <dgm:shape xmlns:r="http://schemas.openxmlformats.org/officeDocument/2006/relationships" r:blip="">
+              <dgm:adjLst/>
+            </dgm:shape>
+            <dgm:presOf/>
+            <dgm:constrLst>
+              <dgm:constr type="h" refType="w"/>
+            </dgm:constrLst>
+            <dgm:ruleLst/>
+          </dgm:layoutNode>
+        </dgm:if>
+        <dgm:else name="Name8"/>
+      </dgm:choose>
+      <dgm:layoutNode name="node" styleLbl="revTx">
+        <dgm:varLst>
+          <dgm:bulletEnabled val="1"/>
+        </dgm:varLst>
+        <dgm:alg type="tx">
+          <dgm:param type="txAnchorVertCh" val="mid"/>
+        </dgm:alg>
+        <dgm:shape xmlns:r="http://schemas.openxmlformats.org/officeDocument/2006/relationships" type="rect" r:blip="">
+          <dgm:adjLst/>
+        </dgm:shape>
+        <dgm:presOf axis="desOrSelf" ptType="node"/>
+        <dgm:constrLst>
+          <dgm:constr type="h" refType="w"/>
+          <dgm:constr type="lMarg" refType="primFontSz" fact="0.1"/>
+          <dgm:constr type="rMarg" refType="primFontSz" fact="0.1"/>
+          <dgm:constr type="tMarg" refType="primFontSz" fact="0.1"/>
+          <dgm:constr type="bMarg" refType="primFontSz" fact="0.1"/>
+        </dgm:constrLst>
+        <dgm:ruleLst>
+          <dgm:rule type="primFontSz" val="5" fact="NaN" max="NaN"/>
+        </dgm:ruleLst>
+      </dgm:layoutNode>
+      <dgm:choose name="Name9">
+        <dgm:if name="Name10" axis="par ch" ptType="doc node" func="cnt" op="gt" val="1">
+          <dgm:forEach name="Name11" axis="followSib" ptType="sibTrans" hideLastTrans="0" cnt="1">
+            <dgm:layoutNode name="sibTrans" styleLbl="node1">
+              <dgm:alg type="conn">
+                <dgm:param type="connRout" val="curve"/>
+                <dgm:param type="begPts" val="radial"/>
+                <dgm:param type="endPts" val="radial"/>
+              </dgm:alg>
+              <dgm:shape xmlns:r="http://schemas.openxmlformats.org/officeDocument/2006/relationships" type="conn" r:blip="">
+                <dgm:adjLst/>
+              </dgm:shape>
+              <dgm:presOf axis="self"/>
+              <dgm:constrLst>
+                <dgm:constr type="h" refType="w" fact="0.65"/>
+                <dgm:constr type="begPad"/>
+                <dgm:constr type="endPad"/>
+              </dgm:constrLst>
+              <dgm:ruleLst/>
+            </dgm:layoutNode>
+          </dgm:forEach>
+        </dgm:if>
+        <dgm:else name="Name12"/>
+      </dgm:choose>
+    </dgm:forEach>
+  </dgm:layoutNode>
+</dgm:layoutDef>
+</file>
+
+<file path=ppt/diagrams/quickStyle1.xml><?xml version="1.0" encoding="utf-8"?>
+<dgm:styleDef xmlns:dgm="http://schemas.openxmlformats.org/drawingml/2006/diagram" xmlns:a="http://schemas.openxmlformats.org/drawingml/2006/main" uniqueId="urn:microsoft.com/office/officeart/2005/8/quickstyle/simple2">
+  <dgm:title val=""/>
+  <dgm:desc val=""/>
+  <dgm:catLst>
+    <dgm:cat type="simple" pri="10200"/>
+  </dgm:catLst>
+  <dgm:scene3d>
+    <a:camera prst="orthographicFront"/>
+    <a:lightRig rig="threePt" dir="t"/>
+  </dgm:scene3d>
+  <dgm:styleLbl name="node0">
+    <dgm:scene3d>
+      <a:camera prst="orthographicFront"/>
+      <a:lightRig rig="threePt" dir="t"/>
+    </dgm:scene3d>
+    <dgm:sp3d/>
+    <dgm:txPr/>
+    <dgm:style>
+      <a:lnRef idx="3">
+        <a:scrgbClr r="0" g="0" b="0"/>
+      </a:lnRef>
+      <a:fillRef idx="1">
+        <a:scrgbClr r="0" g="0" b="0"/>
+      </a:fillRef>
+      <a:effectRef idx="1">
+        <a:scrgbClr r="0" g="0" b="0"/>
+      </a:effectRef>
+      <a:fontRef idx="minor">
+        <a:schemeClr val="lt1"/>
+      </a:fontRef>
+    </dgm:style>
+  </dgm:styleLbl>
+  <dgm:styleLbl name="lnNode1">
+    <dgm:scene3d>
+      <a:camera prst="orthographicFront"/>
+      <a:lightRig rig="threePt" dir="t"/>
+    </dgm:scene3d>
+    <dgm:sp3d/>
+    <dgm:txPr/>
+    <dgm:style>
+      <a:lnRef idx="3">
+        <a:scrgbClr r="0" g="0" b="0"/>
+      </a:lnRef>
+      <a:fillRef idx="1">
+        <a:scrgbClr r="0" g="0" b="0"/>
+      </a:fillRef>
+      <a:effectRef idx="1">
+        <a:scrgbClr r="0" g="0" b="0"/>
+      </a:effectRef>
+      <a:fontRef idx="minor">
+        <a:schemeClr val="lt1"/>
+      </a:fontRef>
+    </dgm:style>
+  </dgm:styleLbl>
+  <dgm:styleLbl name="vennNode1">
+    <dgm:scene3d>
+      <a:camera prst="orthographicFront"/>
+      <a:lightRig rig="threePt" dir="t"/>
+    </dgm:scene3d>
+    <dgm:sp3d/>
+    <dgm:txPr/>
+    <dgm:style>
+      <a:lnRef idx="3">
+        <a:scrgbClr r="0" g="0" b="0"/>
+      </a:lnRef>
+      <a:fillRef idx="1">
+        <a:scrgbClr r="0" g="0" b="0"/>
+      </a:fillRef>
+      <a:effectRef idx="0">
+        <a:scrgbClr r="0" g="0" b="0"/>
+      </a:effectRef>
+      <a:fontRef idx="minor">
+        <a:schemeClr val="tx1"/>
+      </a:fontRef>
+    </dgm:style>
+  </dgm:styleLbl>
+  <dgm:styleLbl name="alignNode1">
+    <dgm:scene3d>
+      <a:camera prst="orthographicFront"/>
+      <a:lightRig rig="threePt" dir="t"/>
+    </dgm:scene3d>
+    <dgm:sp3d/>
+    <dgm:txPr/>
+    <dgm:style>
+      <a:lnRef idx="2">
+        <a:scrgbClr r="0" g="0" b="0"/>
+      </a:lnRef>
+      <a:fillRef idx="1">
+        <a:scrgbClr r="0" g="0" b="0"/>
+      </a:fillRef>
+      <a:effectRef idx="1">
+        <a:scrgbClr r="0" g="0" b="0"/>
+      </a:effectRef>
+      <a:fontRef idx="minor">
+        <a:schemeClr val="lt1"/>
+      </a:fontRef>
+    </dgm:style>
+  </dgm:styleLbl>
+  <dgm:styleLbl name="node1">
+    <dgm:scene3d>
+      <a:camera prst="orthographicFront"/>
+      <a:lightRig rig="threePt" dir="t"/>
+    </dgm:scene3d>
+    <dgm:sp3d/>
+    <dgm:txPr/>
+    <dgm:style>
+      <a:lnRef idx="3">
+        <a:scrgbClr r="0" g="0" b="0"/>
+      </a:lnRef>
+      <a:fillRef idx="1">
+        <a:scrgbClr r="0" g="0" b="0"/>
+      </a:fillRef>
+      <a:effectRef idx="1">
+        <a:scrgbClr r="0" g="0" b="0"/>
+      </a:effectRef>
+      <a:fontRef idx="minor">
+        <a:schemeClr val="lt1"/>
+      </a:fontRef>
+    </dgm:style>
+  </dgm:styleLbl>
+  <dgm:styleLbl name="node2">
+    <dgm:scene3d>
+      <a:camera prst="orthographicFront"/>
+      <a:lightRig rig="threePt" dir="t"/>
+    </dgm:scene3d>
+    <dgm:sp3d/>
+    <dgm:txPr/>
+    <dgm:style>
+      <a:lnRef idx="3">
+        <a:scrgbClr r="0" g="0" b="0"/>
+      </a:lnRef>
+      <a:fillRef idx="1">
+        <a:scrgbClr r="0" g="0" b="0"/>
+      </a:fillRef>
+      <a:effectRef idx="1">
+        <a:scrgbClr r="0" g="0" b="0"/>
+      </a:effectRef>
+      <a:fontRef idx="minor">
+        <a:schemeClr val="lt1"/>
+      </a:fontRef>
+    </dgm:style>
+  </dgm:styleLbl>
+  <dgm:styleLbl name="node3">
+    <dgm:scene3d>
+      <a:camera prst="orthographicFront"/>
+      <a:lightRig rig="threePt" dir="t"/>
+    </dgm:scene3d>
+    <dgm:sp3d/>
+    <dgm:txPr/>
+    <dgm:style>
+      <a:lnRef idx="3">
+        <a:scrgbClr r="0" g="0" b="0"/>
+      </a:lnRef>
+      <a:fillRef idx="1">
+        <a:scrgbClr r="0" g="0" b="0"/>
+      </a:fillRef>
+      <a:effectRef idx="1">
+        <a:scrgbClr r="0" g="0" b="0"/>
+      </a:effectRef>
+      <a:fontRef idx="minor">
+        <a:schemeClr val="lt1"/>
+      </a:fontRef>
+    </dgm:style>
+  </dgm:styleLbl>
+  <dgm:styleLbl name="node4">
+    <dgm:scene3d>
+      <a:camera prst="orthographicFront"/>
+      <a:lightRig rig="threePt" dir="t"/>
+    </dgm:scene3d>
+    <dgm:sp3d/>
+    <dgm:txPr/>
+    <dgm:style>
+      <a:lnRef idx="3">
+        <a:scrgbClr r="0" g="0" b="0"/>
+      </a:lnRef>
+      <a:fillRef idx="1">
+        <a:scrgbClr r="0" g="0" b="0"/>
+      </a:fillRef>
+      <a:effectRef idx="1">
+        <a:scrgbClr r="0" g="0" b="0"/>
+      </a:effectRef>
+      <a:fontRef idx="minor">
+        <a:schemeClr val="lt1"/>
+      </a:fontRef>
+    </dgm:style>
+  </dgm:styleLbl>
+  <dgm:styleLbl name="fgImgPlace1">
+    <dgm:scene3d>
+      <a:camera prst="orthographicFront"/>
+      <a:lightRig rig="threePt" dir="t"/>
+    </dgm:scene3d>
+    <dgm:sp3d/>
+    <dgm:txPr/>
+    <dgm:style>
+      <a:lnRef idx="3">
+        <a:scrgbClr r="0" g="0" b="0"/>
+      </a:lnRef>
+      <a:fillRef idx="1">
+        <a:scrgbClr r="0" g="0" b="0"/>
+      </a:fillRef>
+      <a:effectRef idx="1">
+        <a:scrgbClr r="0" g="0" b="0"/>
+      </a:effectRef>
+      <a:fontRef idx="minor"/>
+    </dgm:style>
+  </dgm:styleLbl>
+  <dgm:styleLbl name="alignImgPlace1">
+    <dgm:scene3d>
+      <a:camera prst="orthographicFront"/>
+      <a:lightRig rig="threePt" dir="t"/>
+    </dgm:scene3d>
+    <dgm:sp3d/>
+    <dgm:txPr/>
+    <dgm:style>
+      <a:lnRef idx="3">
+        <a:scrgbClr r="0" g="0" b="0"/>
+      </a:lnRef>
+      <a:fillRef idx="1">
+        <a:scrgbClr r="0" g="0" b="0"/>
+      </a:fillRef>
+      <a:effectRef idx="1">
+        <a:scrgbClr r="0" g="0" b="0"/>
+      </a:effectRef>
+      <a:fontRef idx="minor"/>
+    </dgm:style>
+  </dgm:styleLbl>
+  <dgm:styleLbl name="bgImgPlace1">
+    <dgm:scene3d>
+      <a:camera prst="orthographicFront"/>
+      <a:lightRig rig="threePt" dir="t"/>
+    </dgm:scene3d>
+    <dgm:sp3d/>
+    <dgm:txPr/>
+    <dgm:style>
+      <a:lnRef idx="3">
+        <a:scrgbClr r="0" g="0" b="0"/>
+      </a:lnRef>
+      <a:fillRef idx="1">
+        <a:scrgbClr r="0" g="0" b="0"/>
+      </a:fillRef>
+      <a:effectRef idx="1">
+        <a:scrgbClr r="0" g="0" b="0"/>
+      </a:effectRef>
+      <a:fontRef idx="minor"/>
+    </dgm:style>
+  </dgm:styleLbl>
+  <dgm:styleLbl name="sibTrans2D1">
+    <dgm:scene3d>
+      <a:camera prst="orthographicFront"/>
+      <a:lightRig rig="threePt" dir="t"/>
+    </dgm:scene3d>
+    <dgm:sp3d/>
+    <dgm:txPr/>
+    <dgm:style>
+      <a:lnRef idx="0">
+        <a:scrgbClr r="0" g="0" b="0"/>
+      </a:lnRef>
+      <a:fillRef idx="1">
+        <a:scrgbClr r="0" g="0" b="0"/>
+      </a:fillRef>
+      <a:effectRef idx="1">
+        <a:scrgbClr r="0" g="0" b="0"/>
+      </a:effectRef>
+      <a:fontRef idx="minor">
+        <a:schemeClr val="lt1"/>
+      </a:fontRef>
+    </dgm:style>
+  </dgm:styleLbl>
+  <dgm:styleLbl name="fgSibTrans2D1">
+    <dgm:scene3d>
+      <a:camera prst="orthographicFront"/>
+      <a:lightRig rig="threePt" dir="t"/>
+    </dgm:scene3d>
+    <dgm:sp3d/>
+    <dgm:txPr/>
+    <dgm:style>
+      <a:lnRef idx="0">
+        <a:scrgbClr r="0" g="0" b="0"/>
+      </a:lnRef>
+      <a:fillRef idx="1">
+        <a:scrgbClr r="0" g="0" b="0"/>
+      </a:fillRef>
+      <a:effectRef idx="1">
+        <a:scrgbClr r="0" g="0" b="0"/>
+      </a:effectRef>
+      <a:fontRef idx="minor">
+        <a:schemeClr val="lt1"/>
+      </a:fontRef>
+    </dgm:style>
+  </dgm:styleLbl>
+  <dgm:styleLbl name="bgSibTrans2D1">
+    <dgm:scene3d>
+      <a:camera prst="orthographicFront"/>
+      <a:lightRig rig="threePt" dir="t"/>
+    </dgm:scene3d>
+    <dgm:sp3d/>
+    <dgm:txPr/>
+    <dgm:style>
+      <a:lnRef idx="0">
+        <a:scrgbClr r="0" g="0" b="0"/>
+      </a:lnRef>
+      <a:fillRef idx="1">
+        <a:scrgbClr r="0" g="0" b="0"/>
+      </a:fillRef>
+      <a:effectRef idx="1">
+        <a:scrgbClr r="0" g="0" b="0"/>
+      </a:effectRef>
+      <a:fontRef idx="minor">
+        <a:schemeClr val="lt1"/>
+      </a:fontRef>
+    </dgm:style>
+  </dgm:styleLbl>
+  <dgm:styleLbl name="sibTrans1D1">
+    <dgm:scene3d>
+      <a:camera prst="orthographicFront"/>
+      <a:lightRig rig="threePt" dir="t"/>
+    </dgm:scene3d>
+    <dgm:sp3d/>
+    <dgm:txPr/>
+    <dgm:style>
+      <a:lnRef idx="1">
+        <a:scrgbClr r="0" g="0" b="0"/>
+      </a:lnRef>
+      <a:fillRef idx="0">
+        <a:scrgbClr r="0" g="0" b="0"/>
+      </a:fillRef>
+      <a:effectRef idx="0">
+        <a:scrgbClr r="0" g="0" b="0"/>
+      </a:effectRef>
+      <a:fontRef idx="minor"/>
+    </dgm:style>
+  </dgm:styleLbl>
+  <dgm:styleLbl name="callout">
+    <dgm:scene3d>
+      <a:camera prst="orthographicFront"/>
+      <a:lightRig rig="threePt" dir="t"/>
+    </dgm:scene3d>
+    <dgm:sp3d/>
+    <dgm:txPr/>
+    <dgm:style>
+      <a:lnRef idx="2">
+        <a:scrgbClr r="0" g="0" b="0"/>
+      </a:lnRef>
+      <a:fillRef idx="1">
+        <a:scrgbClr r="0" g="0" b="0"/>
+      </a:fillRef>
+      <a:effectRef idx="1">
+        <a:scrgbClr r="0" g="0" b="0"/>
+      </a:effectRef>
+      <a:fontRef idx="minor"/>
+    </dgm:style>
+  </dgm:styleLbl>
+  <dgm:styleLbl name="asst0">
+    <dgm:scene3d>
+      <a:camera prst="orthographicFront"/>
+      <a:lightRig rig="threePt" dir="t"/>
+    </dgm:scene3d>
+    <dgm:sp3d/>
+    <dgm:txPr/>
+    <dgm:style>
+      <a:lnRef idx="3">
+        <a:scrgbClr r="0" g="0" b="0"/>
+      </a:lnRef>
+      <a:fillRef idx="1">
+        <a:scrgbClr r="0" g="0" b="0"/>
+      </a:fillRef>
+      <a:effectRef idx="1">
+        <a:scrgbClr r="0" g="0" b="0"/>
+      </a:effectRef>
+      <a:fontRef idx="minor">
+        <a:schemeClr val="lt1"/>
+      </a:fontRef>
+    </dgm:style>
+  </dgm:styleLbl>
+  <dgm:styleLbl name="asst1">
+    <dgm:scene3d>
+      <a:camera prst="orthographicFront"/>
+      <a:lightRig rig="threePt" dir="t"/>
+    </dgm:scene3d>
+    <dgm:sp3d/>
+    <dgm:txPr/>
+    <dgm:style>
+      <a:lnRef idx="3">
+        <a:scrgbClr r="0" g="0" b="0"/>
+      </a:lnRef>
+      <a:fillRef idx="1">
+        <a:scrgbClr r="0" g="0" b="0"/>
+      </a:fillRef>
+      <a:effectRef idx="1">
+        <a:scrgbClr r="0" g="0" b="0"/>
+      </a:effectRef>
+      <a:fontRef idx="minor">
+        <a:schemeClr val="lt1"/>
+      </a:fontRef>
+    </dgm:style>
+  </dgm:styleLbl>
+  <dgm:styleLbl name="asst2">
+    <dgm:scene3d>
+      <a:camera prst="orthographicFront"/>
+      <a:lightRig rig="threePt" dir="t"/>
+    </dgm:scene3d>
+    <dgm:sp3d/>
+    <dgm:txPr/>
+    <dgm:style>
+      <a:lnRef idx="3">
+        <a:scrgbClr r="0" g="0" b="0"/>
+      </a:lnRef>
+      <a:fillRef idx="1">
+        <a:scrgbClr r="0" g="0" b="0"/>
+      </a:fillRef>
+      <a:effectRef idx="1">
+        <a:scrgbClr r="0" g="0" b="0"/>
+      </a:effectRef>
+      <a:fontRef idx="minor">
+        <a:schemeClr val="lt1"/>
+      </a:fontRef>
+    </dgm:style>
+  </dgm:styleLbl>
+  <dgm:styleLbl name="asst3">
+    <dgm:scene3d>
+      <a:camera prst="orthographicFront"/>
+      <a:lightRig rig="threePt" dir="t"/>
+    </dgm:scene3d>
+    <dgm:sp3d/>
+    <dgm:txPr/>
+    <dgm:style>
+      <a:lnRef idx="3">
+        <a:scrgbClr r="0" g="0" b="0"/>
+      </a:lnRef>
+      <a:fillRef idx="1">
+        <a:scrgbClr r="0" g="0" b="0"/>
+      </a:fillRef>
+      <a:effectRef idx="1">
+        <a:scrgbClr r="0" g="0" b="0"/>
+      </a:effectRef>
+      <a:fontRef idx="minor">
+        <a:schemeClr val="lt1"/>
+      </a:fontRef>
+    </dgm:style>
+  </dgm:styleLbl>
+  <dgm:styleLbl name="asst4">
+    <dgm:scene3d>
+      <a:camera prst="orthographicFront"/>
+      <a:lightRig rig="threePt" dir="t"/>
+    </dgm:scene3d>
+    <dgm:sp3d/>
+    <dgm:txPr/>
+    <dgm:style>
+      <a:lnRef idx="3">
+        <a:scrgbClr r="0" g="0" b="0"/>
+      </a:lnRef>
+      <a:fillRef idx="1">
+        <a:scrgbClr r="0" g="0" b="0"/>
+      </a:fillRef>
+      <a:effectRef idx="1">
+        <a:scrgbClr r="0" g="0" b="0"/>
+      </a:effectRef>
+      <a:fontRef idx="minor">
+        <a:schemeClr val="lt1"/>
+      </a:fontRef>
+    </dgm:style>
+  </dgm:styleLbl>
+  <dgm:styleLbl name="parChTrans2D1">
+    <dgm:scene3d>
+      <a:camera prst="orthographicFront"/>
+      <a:lightRig rig="threePt" dir="t"/>
+    </dgm:scene3d>
+    <dgm:sp3d/>
+    <dgm:txPr/>
+    <dgm:style>
+      <a:lnRef idx="3">
+        <a:scrgbClr r="0" g="0" b="0"/>
+      </a:lnRef>
+      <a:fillRef idx="1">
+        <a:scrgbClr r="0" g="0" b="0"/>
+      </a:fillRef>
+      <a:effectRef idx="1">
+        <a:scrgbClr r="0" g="0" b="0"/>
+      </a:effectRef>
+      <a:fontRef idx="minor">
+        <a:schemeClr val="lt1"/>
+      </a:fontRef>
+    </dgm:style>
+  </dgm:styleLbl>
+  <dgm:styleLbl name="parChTrans2D2">
+    <dgm:scene3d>
+      <a:camera prst="orthographicFront"/>
+      <a:lightRig rig="threePt" dir="t"/>
+    </dgm:scene3d>
+    <dgm:sp3d/>
+    <dgm:txPr/>
+    <dgm:style>
+      <a:lnRef idx="3">
+        <a:scrgbClr r="0" g="0" b="0"/>
+      </a:lnRef>
+      <a:fillRef idx="1">
+        <a:scrgbClr r="0" g="0" b="0"/>
+      </a:fillRef>
+      <a:effectRef idx="1">
+        <a:scrgbClr r="0" g="0" b="0"/>
+      </a:effectRef>
+      <a:fontRef idx="minor">
+        <a:schemeClr val="lt1"/>
+      </a:fontRef>
+    </dgm:style>
+  </dgm:styleLbl>
+  <dgm:styleLbl name="parChTrans2D3">
+    <dgm:scene3d>
+      <a:camera prst="orthographicFront"/>
+      <a:lightRig rig="threePt" dir="t"/>
+    </dgm:scene3d>
+    <dgm:sp3d/>
+    <dgm:txPr/>
+    <dgm:style>
+      <a:lnRef idx="3">
+        <a:scrgbClr r="0" g="0" b="0"/>
+      </a:lnRef>
+      <a:fillRef idx="1">
+        <a:scrgbClr r="0" g="0" b="0"/>
+      </a:fillRef>
+      <a:effectRef idx="1">
+        <a:scrgbClr r="0" g="0" b="0"/>
+      </a:effectRef>
+      <a:fontRef idx="minor">
+        <a:schemeClr val="lt1"/>
+      </a:fontRef>
+    </dgm:style>
+  </dgm:styleLbl>
+  <dgm:styleLbl name="parChTrans2D4">
+    <dgm:scene3d>
+      <a:camera prst="orthographicFront"/>
+      <a:lightRig rig="threePt" dir="t"/>
+    </dgm:scene3d>
+    <dgm:sp3d/>
+    <dgm:txPr/>
+    <dgm:style>
+      <a:lnRef idx="3">
+        <a:scrgbClr r="0" g="0" b="0"/>
+      </a:lnRef>
+      <a:fillRef idx="1">
+        <a:scrgbClr r="0" g="0" b="0"/>
+      </a:fillRef>
+      <a:effectRef idx="1">
+        <a:scrgbClr r="0" g="0" b="0"/>
+      </a:effectRef>
+      <a:fontRef idx="minor">
+        <a:schemeClr val="lt1"/>
+      </a:fontRef>
+    </dgm:style>
+  </dgm:styleLbl>
+  <dgm:styleLbl name="parChTrans1D1">
+    <dgm:scene3d>
+      <a:camera prst="orthographicFront"/>
+      <a:lightRig rig="threePt" dir="t"/>
+    </dgm:scene3d>
+    <dgm:sp3d/>
+    <dgm:txPr/>
+    <dgm:style>
+      <a:lnRef idx="2">
+        <a:scrgbClr r="0" g="0" b="0"/>
+      </a:lnRef>
+      <a:fillRef idx="0">
+        <a:scrgbClr r="0" g="0" b="0"/>
+      </a:fillRef>
+      <a:effectRef idx="0">
+        <a:scrgbClr r="0" g="0" b="0"/>
+      </a:effectRef>
+      <a:fontRef idx="minor"/>
+    </dgm:style>
+  </dgm:styleLbl>
+  <dgm:styleLbl name="parChTrans1D2">
+    <dgm:scene3d>
+      <a:camera prst="orthographicFront"/>
+      <a:lightRig rig="threePt" dir="t"/>
+    </dgm:scene3d>
+    <dgm:sp3d/>
+    <dgm:txPr/>
+    <dgm:style>
+      <a:lnRef idx="2">
+        <a:scrgbClr r="0" g="0" b="0"/>
+      </a:lnRef>
+      <a:fillRef idx="0">
+        <a:scrgbClr r="0" g="0" b="0"/>
+      </a:fillRef>
+      <a:effectRef idx="0">
+        <a:scrgbClr r="0" g="0" b="0"/>
+      </a:effectRef>
+      <a:fontRef idx="minor"/>
+    </dgm:style>
+  </dgm:styleLbl>
+  <dgm:styleLbl name="parChTrans1D3">
+    <dgm:scene3d>
+      <a:camera prst="orthographicFront"/>
+      <a:lightRig rig="threePt" dir="t"/>
+    </dgm:scene3d>
+    <dgm:sp3d/>
+    <dgm:txPr/>
+    <dgm:style>
+      <a:lnRef idx="2">
+        <a:scrgbClr r="0" g="0" b="0"/>
+      </a:lnRef>
+      <a:fillRef idx="0">
+        <a:scrgbClr r="0" g="0" b="0"/>
+      </a:fillRef>
+      <a:effectRef idx="0">
+        <a:scrgbClr r="0" g="0" b="0"/>
+      </a:effectRef>
+      <a:fontRef idx="minor"/>
+    </dgm:style>
+  </dgm:styleLbl>
+  <dgm:styleLbl name="parChTrans1D4">
+    <dgm:scene3d>
+      <a:camera prst="orthographicFront"/>
+      <a:lightRig rig="threePt" dir="t"/>
+    </dgm:scene3d>
+    <dgm:sp3d/>
+    <dgm:txPr/>
+    <dgm:style>
+      <a:lnRef idx="2">
+        <a:scrgbClr r="0" g="0" b="0"/>
+      </a:lnRef>
+      <a:fillRef idx="0">
+        <a:scrgbClr r="0" g="0" b="0"/>
+      </a:fillRef>
+      <a:effectRef idx="0">
+        <a:scrgbClr r="0" g="0" b="0"/>
+      </a:effectRef>
+      <a:fontRef idx="minor"/>
+    </dgm:style>
+  </dgm:styleLbl>
+  <dgm:styleLbl name="fgAcc1">
+    <dgm:scene3d>
+      <a:camera prst="orthographicFront"/>
+      <a:lightRig rig="threePt" dir="t"/>
+    </dgm:scene3d>
+    <dgm:sp3d/>
+    <dgm:txPr/>
+    <dgm:style>
+      <a:lnRef idx="2">
+        <a:scrgbClr r="0" g="0" b="0"/>
+      </a:lnRef>
+      <a:fillRef idx="1">
+        <a:scrgbClr r="0" g="0" b="0"/>
+      </a:fillRef>
+      <a:effectRef idx="0">
+        <a:scrgbClr r="0" g="0" b="0"/>
+      </a:effectRef>
+      <a:fontRef idx="minor"/>
+    </dgm:style>
+  </dgm:styleLbl>
+  <dgm:styleLbl name="conFgAcc1">
+    <dgm:scene3d>
+      <a:camera prst="orthographicFront"/>
+      <a:lightRig rig="threePt" dir="t"/>
+    </dgm:scene3d>
+    <dgm:sp3d/>
+    <dgm:txPr/>
+    <dgm:style>
+      <a:lnRef idx="2">
+        <a:scrgbClr r="0" g="0" b="0"/>
+      </a:lnRef>
+      <a:fillRef idx="1">
+        <a:scrgbClr r="0" g="0" b="0"/>
+      </a:fillRef>
+      <a:effectRef idx="0">
+        <a:scrgbClr r="0" g="0" b="0"/>
+      </a:effectRef>
+      <a:fontRef idx="minor"/>
+    </dgm:style>
+  </dgm:styleLbl>
+  <dgm:styleLbl name="alignAcc1">
+    <dgm:scene3d>
+      <a:camera prst="orthographicFront"/>
+      <a:lightRig rig="threePt" dir="t"/>
+    </dgm:scene3d>
+    <dgm:sp3d/>
+    <dgm:txPr/>
+    <dgm:style>
+      <a:lnRef idx="2">
+        <a:scrgbClr r="0" g="0" b="0"/>
+      </a:lnRef>
+      <a:fillRef idx="1">
+        <a:scrgbClr r="0" g="0" b="0"/>
+      </a:fillRef>
+      <a:effectRef idx="0">
+        <a:scrgbClr r="0" g="0" b="0"/>
+      </a:effectRef>
+      <a:fontRef idx="minor"/>
+    </dgm:style>
+  </dgm:styleLbl>
+  <dgm:styleLbl name="trAlignAcc1">
+    <dgm:scene3d>
+      <a:camera prst="orthographicFront"/>
+      <a:lightRig rig="threePt" dir="t"/>
+    </dgm:scene3d>
+    <dgm:sp3d/>
+    <dgm:txPr/>
+    <dgm:style>
+      <a:lnRef idx="1">
+        <a:scrgbClr r="0" g="0" b="0"/>
+      </a:lnRef>
+      <a:fillRef idx="1">
+        <a:scrgbClr r="0" g="0" b="0"/>
+      </a:fillRef>
+      <a:effectRef idx="0">
+        <a:scrgbClr r="0" g="0" b="0"/>
+      </a:effectRef>
+      <a:fontRef idx="minor"/>
+    </dgm:style>
+  </dgm:styleLbl>
+  <dgm:styleLbl name="bgAcc1">
+    <dgm:scene3d>
+      <a:camera prst="orthographicFront"/>
+      <a:lightRig rig="threePt" dir="t"/>
+    </dgm:scene3d>
+    <dgm:sp3d/>
+    <dgm:txPr/>
+    <dgm:style>
+      <a:lnRef idx="2">
+        <a:scrgbClr r="0" g="0" b="0"/>
+      </a:lnRef>
+      <a:fillRef idx="1">
+        <a:scrgbClr r="0" g="0" b="0"/>
+      </a:fillRef>
+      <a:effectRef idx="0">
+        <a:scrgbClr r="0" g="0" b="0"/>
+      </a:effectRef>
+      <a:fontRef idx="minor"/>
+    </dgm:style>
+  </dgm:styleLbl>
+  <dgm:styleLbl name="solidFgAcc1">
+    <dgm:scene3d>
+      <a:camera prst="orthographicFront"/>
+      <a:lightRig rig="threePt" dir="t"/>
+    </dgm:scene3d>
+    <dgm:sp3d/>
+    <dgm:txPr/>
+    <dgm:style>
+      <a:lnRef idx="2">
+        <a:scrgbClr r="0" g="0" b="0"/>
+      </a:lnRef>
+      <a:fillRef idx="1">
+        <a:scrgbClr r="0" g="0" b="0"/>
+      </a:fillRef>
+      <a:effectRef idx="0">
+        <a:scrgbClr r="0" g="0" b="0"/>
+      </a:effectRef>
+      <a:fontRef idx="minor"/>
+    </dgm:style>
+  </dgm:styleLbl>
+  <dgm:styleLbl name="solidAlignAcc1">
+    <dgm:scene3d>
+      <a:camera prst="orthographicFront"/>
+      <a:lightRig rig="threePt" dir="t"/>
+    </dgm:scene3d>
+    <dgm:sp3d/>
+    <dgm:txPr/>
+    <dgm:style>
+      <a:lnRef idx="2">
+        <a:scrgbClr r="0" g="0" b="0"/>
+      </a:lnRef>
+      <a:fillRef idx="1">
+        <a:scrgbClr r="0" g="0" b="0"/>
+      </a:fillRef>
+      <a:effectRef idx="0">
+        <a:scrgbClr r="0" g="0" b="0"/>
+      </a:effectRef>
+      <a:fontRef idx="minor"/>
+    </dgm:style>
+  </dgm:styleLbl>
+  <dgm:styleLbl name="solidBgAcc1">
+    <dgm:scene3d>
+      <a:camera prst="orthographicFront"/>
+      <a:lightRig rig="threePt" dir="t"/>
+    </dgm:scene3d>
+    <dgm:sp3d/>
+    <dgm:txPr/>
+    <dgm:style>
+      <a:lnRef idx="2">
+        <a:scrgbClr r="0" g="0" b="0"/>
+      </a:lnRef>
+      <a:fillRef idx="1">
+        <a:scrgbClr r="0" g="0" b="0"/>
+      </a:fillRef>
+      <a:effectRef idx="0">
+        <a:scrgbClr r="0" g="0" b="0"/>
+      </a:effectRef>
+      <a:fontRef idx="minor"/>
+    </dgm:style>
+  </dgm:styleLbl>
+  <dgm:styleLbl name="fgAccFollowNode1">
+    <dgm:scene3d>
+      <a:camera prst="orthographicFront"/>
+      <a:lightRig rig="threePt" dir="t"/>
+    </dgm:scene3d>
+    <dgm:sp3d/>
+    <dgm:txPr/>
+    <dgm:style>
+      <a:lnRef idx="2">
+        <a:scrgbClr r="0" g="0" b="0"/>
+      </a:lnRef>
+      <a:fillRef idx="1">
+        <a:scrgbClr r="0" g="0" b="0"/>
+      </a:fillRef>
+      <a:effectRef idx="0">
+        <a:scrgbClr r="0" g="0" b="0"/>
+      </a:effectRef>
+      <a:fontRef idx="minor"/>
+    </dgm:style>
+  </dgm:styleLbl>
+  <dgm:styleLbl name="alignAccFollowNode1">
+    <dgm:scene3d>
+      <a:camera prst="orthographicFront"/>
+      <a:lightRig rig="threePt" dir="t"/>
+    </dgm:scene3d>
+    <dgm:sp3d/>
+    <dgm:txPr/>
+    <dgm:style>
+      <a:lnRef idx="2">
+        <a:scrgbClr r="0" g="0" b="0"/>
+      </a:lnRef>
+      <a:fillRef idx="1">
+        <a:scrgbClr r="0" g="0" b="0"/>
+      </a:fillRef>
+      <a:effectRef idx="0">
+        <a:scrgbClr r="0" g="0" b="0"/>
+      </a:effectRef>
+      <a:fontRef idx="minor"/>
+    </dgm:style>
+  </dgm:styleLbl>
+  <dgm:styleLbl name="bgAccFollowNode1">
+    <dgm:scene3d>
+      <a:camera prst="orthographicFront"/>
+      <a:lightRig rig="threePt" dir="t"/>
+    </dgm:scene3d>
+    <dgm:sp3d/>
+    <dgm:txPr/>
+    <dgm:style>
+      <a:lnRef idx="2">
+        <a:scrgbClr r="0" g="0" b="0"/>
+      </a:lnRef>
+      <a:fillRef idx="1">
+        <a:scrgbClr r="0" g="0" b="0"/>
+      </a:fillRef>
+      <a:effectRef idx="0">
+        <a:scrgbClr r="0" g="0" b="0"/>
+      </a:effectRef>
+      <a:fontRef idx="minor"/>
+    </dgm:style>
+  </dgm:styleLbl>
+  <dgm:styleLbl name="fgAcc0">
+    <dgm:scene3d>
+      <a:camera prst="orthographicFront"/>
+      <a:lightRig rig="threePt" dir="t"/>
+    </dgm:scene3d>
+    <dgm:sp3d/>
+    <dgm:txPr/>
+    <dgm:style>
+      <a:lnRef idx="2">
+        <a:scrgbClr r="0" g="0" b="0"/>
+      </a:lnRef>
+      <a:fillRef idx="1">
+        <a:scrgbClr r="0" g="0" b="0"/>
+      </a:fillRef>
+      <a:effectRef idx="0">
+        <a:scrgbClr r="0" g="0" b="0"/>
+      </a:effectRef>
+      <a:fontRef idx="minor"/>
+    </dgm:style>
+  </dgm:styleLbl>
+  <dgm:styleLbl name="fgAcc2">
+    <dgm:scene3d>
+      <a:camera prst="orthographicFront"/>
+      <a:lightRig rig="threePt" dir="t"/>
+    </dgm:scene3d>
+    <dgm:sp3d/>
+    <dgm:txPr/>
+    <dgm:style>
+      <a:lnRef idx="2">
+        <a:scrgbClr r="0" g="0" b="0"/>
+      </a:lnRef>
+      <a:fillRef idx="1">
+        <a:scrgbClr r="0" g="0" b="0"/>
+      </a:fillRef>
+      <a:effectRef idx="0">
+        <a:scrgbClr r="0" g="0" b="0"/>
+      </a:effectRef>
+      <a:fontRef idx="minor"/>
+    </dgm:style>
+  </dgm:styleLbl>
+  <dgm:styleLbl name="fgAcc3">
+    <dgm:scene3d>
+      <a:camera prst="orthographicFront"/>
+      <a:lightRig rig="threePt" dir="t"/>
+    </dgm:scene3d>
+    <dgm:sp3d/>
+    <dgm:txPr/>
+    <dgm:style>
+      <a:lnRef idx="2">
+        <a:scrgbClr r="0" g="0" b="0"/>
+      </a:lnRef>
+      <a:fillRef idx="1">
+        <a:scrgbClr r="0" g="0" b="0"/>
+      </a:fillRef>
+      <a:effectRef idx="0">
+        <a:scrgbClr r="0" g="0" b="0"/>
+      </a:effectRef>
+      <a:fontRef idx="minor"/>
+    </dgm:style>
+  </dgm:styleLbl>
+  <dgm:styleLbl name="fgAcc4">
+    <dgm:scene3d>
+      <a:camera prst="orthographicFront"/>
+      <a:lightRig rig="threePt" dir="t"/>
+    </dgm:scene3d>
+    <dgm:sp3d/>
+    <dgm:txPr/>
+    <dgm:style>
+      <a:lnRef idx="2">
+        <a:scrgbClr r="0" g="0" b="0"/>
+      </a:lnRef>
+      <a:fillRef idx="1">
+        <a:scrgbClr r="0" g="0" b="0"/>
+      </a:fillRef>
+      <a:effectRef idx="0">
+        <a:scrgbClr r="0" g="0" b="0"/>
+      </a:effectRef>
+      <a:fontRef idx="minor"/>
+    </dgm:style>
+  </dgm:styleLbl>
+  <dgm:styleLbl name="bgShp">
+    <dgm:scene3d>
+      <a:camera prst="orthographicFront"/>
+      <a:lightRig rig="threePt" dir="t"/>
+    </dgm:scene3d>
+    <dgm:sp3d/>
+    <dgm:txPr/>
+    <dgm:style>
+      <a:lnRef idx="0">
+        <a:scrgbClr r="0" g="0" b="0"/>
+      </a:lnRef>
+      <a:fillRef idx="1">
+        <a:scrgbClr r="0" g="0" b="0"/>
+      </a:fillRef>
+      <a:effectRef idx="0">
+        <a:scrgbClr r="0" g="0" b="0"/>
+      </a:effectRef>
+      <a:fontRef idx="minor"/>
+    </dgm:style>
+  </dgm:styleLbl>
+  <dgm:styleLbl name="dkBgShp">
+    <dgm:scene3d>
+      <a:camera prst="orthographicFront"/>
+      <a:lightRig rig="threePt" dir="t"/>
+    </dgm:scene3d>
+    <dgm:sp3d/>
+    <dgm:txPr/>
+    <dgm:style>
+      <a:lnRef idx="0">
+        <a:scrgbClr r="0" g="0" b="0"/>
+      </a:lnRef>
+      <a:fillRef idx="1">
+        <a:scrgbClr r="0" g="0" b="0"/>
+      </a:fillRef>
+      <a:effectRef idx="0">
+        <a:scrgbClr r="0" g="0" b="0"/>
+      </a:effectRef>
+      <a:fontRef idx="minor"/>
+    </dgm:style>
+  </dgm:styleLbl>
+  <dgm:styleLbl name="trBgShp">
+    <dgm:scene3d>
+      <a:camera prst="orthographicFront"/>
+      <a:lightRig rig="threePt" dir="t"/>
+    </dgm:scene3d>
+    <dgm:sp3d/>
+    <dgm:txPr/>
+    <dgm:style>
+      <a:lnRef idx="0">
+        <a:scrgbClr r="0" g="0" b="0"/>
+      </a:lnRef>
+      <a:fillRef idx="1">
+        <a:scrgbClr r="0" g="0" b="0"/>
+      </a:fillRef>
+      <a:effectRef idx="0">
+        <a:scrgbClr r="0" g="0" b="0"/>
+      </a:effectRef>
+      <a:fontRef idx="minor"/>
+    </dgm:style>
+  </dgm:styleLbl>
+  <dgm:styleLbl name="fgShp">
+    <dgm:scene3d>
+      <a:camera prst="orthographicFront"/>
+      <a:lightRig rig="threePt" dir="t"/>
+    </dgm:scene3d>
+    <dgm:sp3d/>
+    <dgm:txPr/>
+    <dgm:style>
+      <a:lnRef idx="3">
+        <a:scrgbClr r="0" g="0" b="0"/>
+      </a:lnRef>
+      <a:fillRef idx="1">
+        <a:scrgbClr r="0" g="0" b="0"/>
+      </a:fillRef>
+      <a:effectRef idx="1">
+        <a:scrgbClr r="0" g="0" b="0"/>
+      </a:effectRef>
+      <a:fontRef idx="minor"/>
+    </dgm:style>
+  </dgm:styleLbl>
+  <dgm:styleLbl name="revTx">
+    <dgm:scene3d>
+      <a:camera prst="orthographicFront"/>
+      <a:lightRig rig="threePt" dir="t"/>
+    </dgm:scene3d>
+    <dgm:sp3d/>
+    <dgm:txPr/>
+    <dgm:style>
+      <a:lnRef idx="0">
+        <a:scrgbClr r="0" g="0" b="0"/>
+      </a:lnRef>
+      <a:fillRef idx="0">
+        <a:scrgbClr r="0" g="0" b="0"/>
+      </a:fillRef>
+      <a:effectRef idx="0">
+        <a:scrgbClr r="0" g="0" b="0"/>
+      </a:effectRef>
+      <a:fontRef idx="minor"/>
+    </dgm:style>
+  </dgm:styleLbl>
+</dgm:styleDef>
 </file>
 
 <file path=ppt/notesMasters/notesMaster1.xml><?xml version="1.0" encoding="utf-8"?>
@@ -10593,11 +13593,17 @@
             <p:ph type="title"/>
           </p:nvPr>
         </p:nvSpPr>
-        <p:spPr/>
+        <p:spPr>
+          <a:xfrm>
+            <a:off x="601287" y="-167955"/>
+            <a:ext cx="7524003" cy="970450"/>
+          </a:xfrm>
+        </p:spPr>
         <p:txBody>
           <a:bodyPr/>
           <a:lstStyle/>
           <a:p>
+            <a:pPr algn="ctr"/>
             <a:r>
               <a:rPr lang="hr-HR" dirty="0"/>
               <a:t>Organizacija rada</a:t>
@@ -10615,7 +13621,12 @@
             <p:ph idx="1"/>
           </p:nvPr>
         </p:nvSpPr>
-        <p:spPr/>
+        <p:spPr>
+          <a:xfrm>
+            <a:off x="809996" y="2774302"/>
+            <a:ext cx="7524003" cy="3636510"/>
+          </a:xfrm>
+        </p:spPr>
         <p:txBody>
           <a:bodyPr>
             <a:normAutofit/>
@@ -10627,103 +13638,40 @@
                 <a:spcPct val="100000"/>
               </a:lnSpc>
             </a:pPr>
-            <a:r>
-              <a:rPr lang="hr-HR" sz="2400" dirty="0"/>
-              <a:t>Vremenska linija razvoja (specifikacija, implementacija, ispitivanje, dokumentiranje)</a:t>
-            </a:r>
-          </a:p>
-          <a:p>
-            <a:pPr lvl="1">
+            <a:endParaRPr lang="hr-HR" sz="2400" dirty="0"/>
+          </a:p>
+          <a:p>
+            <a:pPr>
               <a:lnSpc>
                 <a:spcPct val="100000"/>
               </a:lnSpc>
             </a:pPr>
-            <a:r>
-              <a:rPr lang="hr-HR" sz="2000" dirty="0"/>
-              <a:t>Poželjan grafički prikaz</a:t>
-            </a:r>
-            <a:endParaRPr lang="en-US" sz="2000" dirty="0"/>
-          </a:p>
-          <a:p>
-            <a:pPr lvl="1">
+            <a:endParaRPr lang="hr-HR" sz="2400" dirty="0"/>
+          </a:p>
+          <a:p>
+            <a:pPr>
               <a:lnSpc>
                 <a:spcPct val="100000"/>
               </a:lnSpc>
             </a:pPr>
-            <a:r>
-              <a:rPr lang="en-US" sz="2000" dirty="0" err="1"/>
-              <a:t>Prokomentirati</a:t>
-            </a:r>
-            <a:r>
-              <a:rPr lang="en-US" sz="2000" dirty="0"/>
-              <a:t> </a:t>
-            </a:r>
-            <a:r>
-              <a:rPr lang="en-US" sz="2000" dirty="0" err="1"/>
-              <a:t>kojem</a:t>
-            </a:r>
-            <a:r>
-              <a:rPr lang="en-US" sz="2000" dirty="0"/>
-              <a:t> je SDLC </a:t>
-            </a:r>
-            <a:r>
-              <a:rPr lang="en-US" sz="2000" dirty="0" err="1"/>
-              <a:t>modelu</a:t>
-            </a:r>
-            <a:r>
-              <a:rPr lang="en-US" sz="2000" dirty="0"/>
-              <a:t> </a:t>
-            </a:r>
-            <a:r>
-              <a:rPr lang="en-US" sz="2000" dirty="0" err="1"/>
-              <a:t>Vaš</a:t>
-            </a:r>
-            <a:r>
-              <a:rPr lang="en-US" sz="2000" dirty="0"/>
-              <a:t> </a:t>
-            </a:r>
-            <a:r>
-              <a:rPr lang="en-US" sz="2000" dirty="0" err="1"/>
-              <a:t>proces</a:t>
-            </a:r>
-            <a:r>
-              <a:rPr lang="en-US" sz="2000" dirty="0"/>
-              <a:t> </a:t>
-            </a:r>
-            <a:r>
-              <a:rPr lang="en-US" sz="2000" dirty="0" err="1"/>
-              <a:t>razvoja</a:t>
-            </a:r>
-            <a:r>
-              <a:rPr lang="en-US" sz="2000" dirty="0"/>
-              <a:t> bio </a:t>
-            </a:r>
-            <a:r>
-              <a:rPr lang="en-US" sz="2000" dirty="0" err="1"/>
-              <a:t>najsličniji</a:t>
-            </a:r>
-            <a:r>
-              <a:rPr lang="en-US" sz="2000" dirty="0"/>
-              <a:t> (vodopadni, </a:t>
-            </a:r>
-            <a:r>
-              <a:rPr lang="en-US" sz="2000" dirty="0" err="1"/>
-              <a:t>agilni</a:t>
-            </a:r>
-            <a:r>
-              <a:rPr lang="en-US" sz="2000" dirty="0"/>
-              <a:t>…)</a:t>
-            </a:r>
-            <a:endParaRPr lang="hr-HR" sz="2000" dirty="0"/>
-          </a:p>
-          <a:p>
-            <a:pPr marL="457200" lvl="1" indent="0">
+            <a:endParaRPr lang="hr-HR" sz="2400" dirty="0"/>
+          </a:p>
+          <a:p>
+            <a:pPr>
+              <a:lnSpc>
+                <a:spcPct val="100000"/>
+              </a:lnSpc>
+            </a:pPr>
+            <a:endParaRPr lang="hr-HR" sz="2400" dirty="0"/>
+          </a:p>
+          <a:p>
+            <a:pPr marL="0" indent="0">
               <a:lnSpc>
                 <a:spcPct val="100000"/>
               </a:lnSpc>
               <a:buNone/>
             </a:pPr>
-            <a:endParaRPr lang="hr-HR" sz="2000" dirty="0"/>
+            <a:endParaRPr lang="hr-HR" sz="2400" dirty="0"/>
           </a:p>
           <a:p>
             <a:pPr>
@@ -10732,12 +13680,106 @@
               </a:lnSpc>
             </a:pPr>
             <a:r>
-              <a:rPr lang="hr-HR" dirty="0"/>
+              <a:rPr lang="hr-HR" sz="2400" dirty="0"/>
+              <a:t>Okretan model (sprintovi između sastanaka)</a:t>
+            </a:r>
+            <a:endParaRPr lang="hr-HR" sz="2000" dirty="0"/>
+          </a:p>
+          <a:p>
+            <a:pPr>
+              <a:lnSpc>
+                <a:spcPct val="100000"/>
+              </a:lnSpc>
+            </a:pPr>
+            <a:r>
+              <a:rPr lang="hr-HR" sz="2400" dirty="0"/>
               <a:t>~650 sati ukupnog rada</a:t>
             </a:r>
           </a:p>
         </p:txBody>
       </p:sp>
+      <p:sp>
+        <p:nvSpPr>
+          <p:cNvPr id="6" name="Pravokutnik 5">
+            <a:extLst>
+              <a:ext uri="{FF2B5EF4-FFF2-40B4-BE49-F238E27FC236}">
+                <a16:creationId xmlns:a16="http://schemas.microsoft.com/office/drawing/2014/main" id="{61985DAD-66C8-9835-3290-AD399B89898A}"/>
+              </a:ext>
+            </a:extLst>
+          </p:cNvPr>
+          <p:cNvSpPr/>
+          <p:nvPr/>
+        </p:nvSpPr>
+        <p:spPr>
+          <a:xfrm>
+            <a:off x="1" y="947651"/>
+            <a:ext cx="9144000" cy="3890356"/>
+          </a:xfrm>
+          <a:prstGeom prst="rect">
+            <a:avLst/>
+          </a:prstGeom>
+          <a:solidFill>
+            <a:srgbClr val="242852"/>
+          </a:solidFill>
+          <a:ln>
+            <a:solidFill>
+              <a:srgbClr val="242852"/>
+            </a:solidFill>
+          </a:ln>
+        </p:spPr>
+        <p:style>
+          <a:lnRef idx="2">
+            <a:schemeClr val="accent1">
+              <a:shade val="15000"/>
+            </a:schemeClr>
+          </a:lnRef>
+          <a:fillRef idx="1">
+            <a:schemeClr val="accent1"/>
+          </a:fillRef>
+          <a:effectRef idx="0">
+            <a:schemeClr val="accent1"/>
+          </a:effectRef>
+          <a:fontRef idx="minor">
+            <a:schemeClr val="lt1"/>
+          </a:fontRef>
+        </p:style>
+        <p:txBody>
+          <a:bodyPr rtlCol="0" anchor="ctr"/>
+          <a:lstStyle/>
+          <a:p>
+            <a:pPr algn="ctr"/>
+            <a:endParaRPr lang="hr-HR"/>
+          </a:p>
+        </p:txBody>
+      </p:sp>
+      <p:graphicFrame>
+        <p:nvGraphicFramePr>
+          <p:cNvPr id="5" name="Dijagram 4">
+            <a:extLst>
+              <a:ext uri="{FF2B5EF4-FFF2-40B4-BE49-F238E27FC236}">
+                <a16:creationId xmlns:a16="http://schemas.microsoft.com/office/drawing/2014/main" id="{9EF5BED6-55B0-91A0-4F46-8DE87D7D1099}"/>
+              </a:ext>
+            </a:extLst>
+          </p:cNvPr>
+          <p:cNvGraphicFramePr/>
+          <p:nvPr>
+            <p:extLst>
+              <p:ext uri="{D42A27DB-BD31-4B8C-83A1-F6EECF244321}">
+                <p14:modId xmlns:p14="http://schemas.microsoft.com/office/powerpoint/2010/main" val="4258649285"/>
+              </p:ext>
+            </p:extLst>
+          </p:nvPr>
+        </p:nvGraphicFramePr>
+        <p:xfrm>
+          <a:off x="1523997" y="1560410"/>
+          <a:ext cx="6096000" cy="4064000"/>
+        </p:xfrm>
+        <a:graphic>
+          <a:graphicData uri="http://schemas.openxmlformats.org/drawingml/2006/diagram">
+            <dgm:relIds xmlns:dgm="http://schemas.openxmlformats.org/drawingml/2006/diagram" xmlns:r="http://schemas.openxmlformats.org/officeDocument/2006/relationships" r:dm="rId2" r:lo="rId3" r:qs="rId4" r:cs="rId5"/>
+          </a:graphicData>
+        </a:graphic>
+      </p:graphicFrame>
     </p:spTree>
     <p:extLst>
       <p:ext uri="{BB962C8B-B14F-4D97-AF65-F5344CB8AC3E}">
